--- a/apresentacao.pptx
+++ b/apresentacao.pptx
@@ -9,7 +9,10 @@
     <p:sldId id="257" r:id="rId3"/>
     <p:sldId id="258" r:id="rId4"/>
     <p:sldId id="259" r:id="rId5"/>
-    <p:sldId id="260" r:id="rId6"/>
+    <p:sldId id="261" r:id="rId6"/>
+    <p:sldId id="262" r:id="rId7"/>
+    <p:sldId id="263" r:id="rId8"/>
+    <p:sldId id="260" r:id="rId9"/>
   </p:sldIdLst>
   <p:sldSz cx="9144000" cy="6858000" type="screen4x3"/>
   <p:notesSz cx="6858000" cy="9144000"/>
@@ -4077,10 +4080,34 @@
         </p:nvSpPr>
         <p:spPr/>
         <p:txBody>
-          <a:bodyPr/>
-          <a:lstStyle/>
-          <a:p>
-            <a:endParaRPr lang="pt-BR"/>
+          <a:bodyPr anchor="ctr"/>
+          <a:lstStyle/>
+          <a:p>
+            <a:pPr marL="0" indent="0" algn="just">
+              <a:lnSpc>
+                <a:spcPct val="200000"/>
+              </a:lnSpc>
+              <a:buNone/>
+            </a:pPr>
+            <a:r>
+              <a:rPr lang="pt-BR" dirty="0" smtClean="0"/>
+              <a:t>Foi desenvolvida </a:t>
+            </a:r>
+            <a:r>
+              <a:rPr lang="pt-BR" dirty="0" smtClean="0"/>
+              <a:t>uma biblioteca para manipular grafos, </a:t>
+            </a:r>
+            <a:r>
+              <a:rPr lang="pt-BR" dirty="0" smtClean="0"/>
+              <a:t>que seja </a:t>
+            </a:r>
+            <a:r>
+              <a:rPr lang="pt-BR" dirty="0" smtClean="0"/>
+              <a:t>capaz de representá-los, assim como desenvolver um conjunto de algoritmos em grafos. A biblioteca foi desenvolvida de forma que possa ser utilizada por outros programas.</a:t>
+            </a:r>
+          </a:p>
+          <a:p>
+            <a:endParaRPr lang="pt-BR" dirty="0"/>
           </a:p>
         </p:txBody>
       </p:sp>
@@ -4144,10 +4171,114 @@
         </p:nvSpPr>
         <p:spPr/>
         <p:txBody>
-          <a:bodyPr/>
-          <a:lstStyle/>
-          <a:p>
-            <a:endParaRPr lang="pt-BR"/>
+          <a:bodyPr anchor="ctr"/>
+          <a:lstStyle/>
+          <a:p>
+            <a:pPr>
+              <a:lnSpc>
+                <a:spcPct val="200000"/>
+              </a:lnSpc>
+            </a:pPr>
+            <a:r>
+              <a:rPr lang="pt-BR" dirty="0" smtClean="0"/>
+              <a:t>Linguagem utilizada: C++</a:t>
+            </a:r>
+            <a:endParaRPr lang="pt-BR" dirty="0" smtClean="0"/>
+          </a:p>
+          <a:p>
+            <a:pPr>
+              <a:lnSpc>
+                <a:spcPct val="200000"/>
+              </a:lnSpc>
+            </a:pPr>
+            <a:r>
+              <a:rPr lang="pt-BR" dirty="0" smtClean="0"/>
+              <a:t>Orientação a objeto</a:t>
+            </a:r>
+          </a:p>
+          <a:p>
+            <a:pPr>
+              <a:lnSpc>
+                <a:spcPct val="200000"/>
+              </a:lnSpc>
+            </a:pPr>
+            <a:r>
+              <a:rPr lang="pt-BR" dirty="0" smtClean="0"/>
+              <a:t>Classe </a:t>
+            </a:r>
+            <a:r>
+              <a:rPr lang="pt-BR" dirty="0" err="1" smtClean="0">
+                <a:latin typeface="Courier New" pitchFamily="49" charset="0"/>
+                <a:cs typeface="Courier New" pitchFamily="49" charset="0"/>
+              </a:rPr>
+              <a:t>Graph</a:t>
+            </a:r>
+            <a:r>
+              <a:rPr lang="pt-BR" dirty="0" smtClean="0">
+                <a:cs typeface="Courier New" pitchFamily="49" charset="0"/>
+              </a:rPr>
+              <a:t> descreve o grafo</a:t>
+            </a:r>
+          </a:p>
+          <a:p>
+            <a:pPr lvl="1">
+              <a:lnSpc>
+                <a:spcPct val="200000"/>
+              </a:lnSpc>
+            </a:pPr>
+            <a:r>
+              <a:rPr lang="pt-BR" dirty="0" smtClean="0">
+                <a:cs typeface="Courier New" pitchFamily="49" charset="0"/>
+              </a:rPr>
+              <a:t>Classe </a:t>
+            </a:r>
+            <a:r>
+              <a:rPr lang="pt-BR" dirty="0" err="1" smtClean="0">
+                <a:latin typeface="Courier New" pitchFamily="49" charset="0"/>
+                <a:cs typeface="Courier New" pitchFamily="49" charset="0"/>
+              </a:rPr>
+              <a:t>Edge</a:t>
+            </a:r>
+            <a:r>
+              <a:rPr lang="pt-BR" dirty="0" smtClean="0">
+                <a:cs typeface="Courier New" pitchFamily="49" charset="0"/>
+              </a:rPr>
+              <a:t> - arestas</a:t>
+            </a:r>
+            <a:endParaRPr lang="pt-BR" dirty="0" smtClean="0">
+              <a:latin typeface="Courier New" pitchFamily="49" charset="0"/>
+              <a:cs typeface="Courier New" pitchFamily="49" charset="0"/>
+            </a:endParaRPr>
+          </a:p>
+          <a:p>
+            <a:pPr lvl="1">
+              <a:lnSpc>
+                <a:spcPct val="200000"/>
+              </a:lnSpc>
+            </a:pPr>
+            <a:r>
+              <a:rPr lang="pt-BR" dirty="0" smtClean="0">
+                <a:cs typeface="Courier New" pitchFamily="49" charset="0"/>
+              </a:rPr>
+              <a:t>Classe </a:t>
+            </a:r>
+            <a:r>
+              <a:rPr lang="pt-BR" dirty="0" err="1" smtClean="0">
+                <a:latin typeface="Courier New" pitchFamily="49" charset="0"/>
+                <a:cs typeface="Courier New" pitchFamily="49" charset="0"/>
+              </a:rPr>
+              <a:t>Node</a:t>
+            </a:r>
+            <a:r>
+              <a:rPr lang="pt-BR" dirty="0" smtClean="0">
+                <a:cs typeface="Courier New" pitchFamily="49" charset="0"/>
+              </a:rPr>
+              <a:t> - vértices</a:t>
+            </a:r>
+            <a:endParaRPr lang="pt-BR" dirty="0" smtClean="0">
+              <a:latin typeface="Courier New" pitchFamily="49" charset="0"/>
+              <a:cs typeface="Courier New" pitchFamily="49" charset="0"/>
+            </a:endParaRPr>
           </a:p>
         </p:txBody>
       </p:sp>
@@ -4192,10 +4323,403 @@
           <a:lstStyle/>
           <a:p>
             <a:r>
-              <a:rPr lang="pt-BR" smtClean="0"/>
+              <a:rPr lang="pt-BR" dirty="0" smtClean="0"/>
+              <a:t>Implementação - UML</a:t>
+            </a:r>
+            <a:endParaRPr lang="pt-BR" dirty="0"/>
+          </a:p>
+        </p:txBody>
+      </p:sp>
+      <p:pic>
+        <p:nvPicPr>
+          <p:cNvPr id="1028" name="Picture 4"/>
+          <p:cNvPicPr>
+            <a:picLocks noGrp="1" noChangeAspect="1" noChangeArrowheads="1"/>
+          </p:cNvPicPr>
+          <p:nvPr>
+            <p:ph idx="1"/>
+          </p:nvPr>
+        </p:nvPicPr>
+        <p:blipFill>
+          <a:blip r:embed="rId2" cstate="print"/>
+          <a:srcRect/>
+          <a:stretch>
+            <a:fillRect/>
+          </a:stretch>
+        </p:blipFill>
+        <p:spPr bwMode="auto">
+          <a:xfrm>
+            <a:off x="683568" y="2348880"/>
+            <a:ext cx="7692149" cy="3269163"/>
+          </a:xfrm>
+          <a:prstGeom prst="rect">
+            <a:avLst/>
+          </a:prstGeom>
+          <a:noFill/>
+          <a:ln w="9525">
+            <a:noFill/>
+            <a:miter lim="800000"/>
+            <a:headEnd/>
+            <a:tailEnd/>
+          </a:ln>
+        </p:spPr>
+      </p:pic>
+    </p:spTree>
+  </p:cSld>
+  <p:clrMapOvr>
+    <a:masterClrMapping/>
+  </p:clrMapOvr>
+</p:sld>
+</file>
+
+<file path=ppt/slides/slide6.xml><?xml version="1.0" encoding="utf-8"?>
+<p:sld xmlns:a="http://schemas.openxmlformats.org/drawingml/2006/main" xmlns:r="http://schemas.openxmlformats.org/officeDocument/2006/relationships" xmlns:p="http://schemas.openxmlformats.org/presentationml/2006/main">
+  <p:cSld>
+    <p:spTree>
+      <p:nvGrpSpPr>
+        <p:cNvPr id="1" name=""/>
+        <p:cNvGrpSpPr/>
+        <p:nvPr/>
+      </p:nvGrpSpPr>
+      <p:grpSpPr>
+        <a:xfrm>
+          <a:off x="0" y="0"/>
+          <a:ext cx="0" cy="0"/>
+          <a:chOff x="0" y="0"/>
+          <a:chExt cx="0" cy="0"/>
+        </a:xfrm>
+      </p:grpSpPr>
+      <p:sp>
+        <p:nvSpPr>
+          <p:cNvPr id="2" name="Título 1"/>
+          <p:cNvSpPr>
+            <a:spLocks noGrp="1"/>
+          </p:cNvSpPr>
+          <p:nvPr>
+            <p:ph type="title"/>
+          </p:nvPr>
+        </p:nvSpPr>
+        <p:spPr/>
+        <p:txBody>
+          <a:bodyPr/>
+          <a:lstStyle/>
+          <a:p>
+            <a:r>
+              <a:rPr lang="pt-BR" dirty="0" smtClean="0"/>
+              <a:t>Vetor x </a:t>
+            </a:r>
+            <a:r>
+              <a:rPr lang="pt-BR" dirty="0" err="1" smtClean="0"/>
+              <a:t>array</a:t>
+            </a:r>
+            <a:endParaRPr lang="pt-BR" dirty="0"/>
+          </a:p>
+        </p:txBody>
+      </p:sp>
+      <p:sp>
+        <p:nvSpPr>
+          <p:cNvPr id="3" name="Espaço Reservado para Conteúdo 2"/>
+          <p:cNvSpPr>
+            <a:spLocks noGrp="1"/>
+          </p:cNvSpPr>
+          <p:nvPr>
+            <p:ph idx="1"/>
+          </p:nvPr>
+        </p:nvSpPr>
+        <p:spPr/>
+        <p:txBody>
+          <a:bodyPr anchor="ctr"/>
+          <a:lstStyle/>
+          <a:p>
+            <a:pPr marL="0" indent="0" algn="just">
+              <a:lnSpc>
+                <a:spcPct val="200000"/>
+              </a:lnSpc>
+              <a:buNone/>
+            </a:pPr>
+            <a:r>
+              <a:rPr lang="pt-BR" dirty="0" smtClean="0"/>
+              <a:t>O uso do </a:t>
+            </a:r>
+            <a:r>
+              <a:rPr lang="pt-BR" i="1" dirty="0" smtClean="0"/>
+              <a:t>container </a:t>
+            </a:r>
+            <a:r>
+              <a:rPr lang="pt-BR" dirty="0" err="1" smtClean="0">
+                <a:latin typeface="Courier New" pitchFamily="49" charset="0"/>
+                <a:cs typeface="Courier New" pitchFamily="49" charset="0"/>
+              </a:rPr>
+              <a:t>vector</a:t>
+            </a:r>
+            <a:r>
+              <a:rPr lang="pt-BR" dirty="0" smtClean="0"/>
+              <a:t> possibilita uma alocação dinâmica de memória para o </a:t>
+            </a:r>
+            <a:r>
+              <a:rPr lang="pt-BR" i="1" dirty="0" err="1" smtClean="0"/>
+              <a:t>array</a:t>
+            </a:r>
+            <a:r>
+              <a:rPr lang="pt-BR" dirty="0" smtClean="0"/>
+              <a:t>, permitindo expandi-lo ou contraí-lo quando necessário de modo prático – usando a função </a:t>
+            </a:r>
+            <a:r>
+              <a:rPr lang="pt-BR" dirty="0" err="1" smtClean="0">
+                <a:latin typeface="Courier New" pitchFamily="49" charset="0"/>
+                <a:cs typeface="Courier New" pitchFamily="49" charset="0"/>
+              </a:rPr>
+              <a:t>resize</a:t>
+            </a:r>
+            <a:r>
+              <a:rPr lang="pt-BR" dirty="0" smtClean="0"/>
+              <a:t> ou simplesmente adicionando um elemento no seu fim (</a:t>
+            </a:r>
+            <a:r>
+              <a:rPr lang="pt-BR" dirty="0" err="1" smtClean="0">
+                <a:latin typeface="Courier New" pitchFamily="49" charset="0"/>
+                <a:cs typeface="Courier New" pitchFamily="49" charset="0"/>
+              </a:rPr>
+              <a:t>push_back</a:t>
+            </a:r>
+            <a:r>
+              <a:rPr lang="pt-BR" dirty="0" smtClean="0"/>
+              <a:t>).</a:t>
+            </a:r>
+          </a:p>
+          <a:p>
+            <a:endParaRPr lang="pt-BR" dirty="0"/>
+          </a:p>
+        </p:txBody>
+      </p:sp>
+    </p:spTree>
+  </p:cSld>
+  <p:clrMapOvr>
+    <a:masterClrMapping/>
+  </p:clrMapOvr>
+</p:sld>
+</file>
+
+<file path=ppt/slides/slide7.xml><?xml version="1.0" encoding="utf-8"?>
+<p:sld xmlns:a="http://schemas.openxmlformats.org/drawingml/2006/main" xmlns:r="http://schemas.openxmlformats.org/officeDocument/2006/relationships" xmlns:p="http://schemas.openxmlformats.org/presentationml/2006/main">
+  <p:cSld>
+    <p:spTree>
+      <p:nvGrpSpPr>
+        <p:cNvPr id="1" name=""/>
+        <p:cNvGrpSpPr/>
+        <p:nvPr/>
+      </p:nvGrpSpPr>
+      <p:grpSpPr>
+        <a:xfrm>
+          <a:off x="0" y="0"/>
+          <a:ext cx="0" cy="0"/>
+          <a:chOff x="0" y="0"/>
+          <a:chExt cx="0" cy="0"/>
+        </a:xfrm>
+      </p:grpSpPr>
+      <p:sp>
+        <p:nvSpPr>
+          <p:cNvPr id="2" name="Título 1"/>
+          <p:cNvSpPr>
+            <a:spLocks noGrp="1"/>
+          </p:cNvSpPr>
+          <p:nvPr>
+            <p:ph type="title"/>
+          </p:nvPr>
+        </p:nvSpPr>
+        <p:spPr/>
+        <p:txBody>
+          <a:bodyPr/>
+          <a:lstStyle/>
+          <a:p>
+            <a:r>
+              <a:rPr lang="pt-BR" dirty="0" smtClean="0"/>
+              <a:t>Tipo </a:t>
+            </a:r>
+            <a:r>
+              <a:rPr lang="pt-BR" dirty="0" err="1" smtClean="0"/>
+              <a:t>bool</a:t>
+            </a:r>
+            <a:r>
+              <a:rPr lang="pt-BR" dirty="0" smtClean="0"/>
+              <a:t> x vetor </a:t>
+            </a:r>
+            <a:r>
+              <a:rPr lang="pt-BR" dirty="0" err="1" smtClean="0"/>
+              <a:t>bool</a:t>
+            </a:r>
+            <a:endParaRPr lang="pt-BR" dirty="0"/>
+          </a:p>
+        </p:txBody>
+      </p:sp>
+      <p:sp>
+        <p:nvSpPr>
+          <p:cNvPr id="3" name="Espaço Reservado para Conteúdo 2"/>
+          <p:cNvSpPr>
+            <a:spLocks noGrp="1"/>
+          </p:cNvSpPr>
+          <p:nvPr>
+            <p:ph idx="1"/>
+          </p:nvPr>
+        </p:nvSpPr>
+        <p:spPr/>
+        <p:txBody>
+          <a:bodyPr>
+            <a:normAutofit fontScale="85000" lnSpcReduction="10000"/>
+          </a:bodyPr>
+          <a:lstStyle/>
+          <a:p>
+            <a:pPr algn="just">
+              <a:lnSpc>
+                <a:spcPct val="170000"/>
+              </a:lnSpc>
+            </a:pPr>
+            <a:endParaRPr lang="pt-BR" dirty="0" smtClean="0"/>
+          </a:p>
+          <a:p>
+            <a:pPr marL="0" indent="0" algn="just">
+              <a:lnSpc>
+                <a:spcPct val="170000"/>
+              </a:lnSpc>
+              <a:buNone/>
+              <a:tabLst>
+                <a:tab pos="180975" algn="l"/>
+              </a:tabLst>
+            </a:pPr>
+            <a:r>
+              <a:rPr lang="pt-BR" dirty="0" smtClean="0"/>
+              <a:t>É sabido que variáveis do tipo </a:t>
+            </a:r>
+            <a:r>
+              <a:rPr lang="pt-BR" dirty="0" err="1" smtClean="0"/>
+              <a:t>bool</a:t>
+            </a:r>
+            <a:r>
+              <a:rPr lang="pt-BR" dirty="0" smtClean="0"/>
+              <a:t> não ocupam somente um </a:t>
+            </a:r>
+            <a:r>
+              <a:rPr lang="pt-BR" i="1" dirty="0" smtClean="0"/>
+              <a:t>bit</a:t>
+            </a:r>
+            <a:r>
+              <a:rPr lang="pt-BR" dirty="0" smtClean="0"/>
+              <a:t> em memória, e sim um </a:t>
+            </a:r>
+            <a:r>
+              <a:rPr lang="pt-BR" i="1" dirty="0" smtClean="0"/>
+              <a:t>byte</a:t>
+            </a:r>
+            <a:r>
+              <a:rPr lang="pt-BR" dirty="0" smtClean="0"/>
+              <a:t> – por questões de endereçamento de memória. Entretanto, o </a:t>
+            </a:r>
+            <a:r>
+              <a:rPr lang="pt-BR" i="1" dirty="0" smtClean="0"/>
+              <a:t>container </a:t>
+            </a:r>
+            <a:r>
+              <a:rPr lang="pt-BR" dirty="0" err="1" smtClean="0">
+                <a:latin typeface="Courier New" pitchFamily="49" charset="0"/>
+                <a:cs typeface="Courier New" pitchFamily="49" charset="0"/>
+              </a:rPr>
+              <a:t>vector</a:t>
+            </a:r>
+            <a:r>
+              <a:rPr lang="pt-BR" dirty="0" smtClean="0">
+                <a:latin typeface="Courier New" pitchFamily="49" charset="0"/>
+                <a:cs typeface="Courier New" pitchFamily="49" charset="0"/>
+              </a:rPr>
+              <a:t>&lt;</a:t>
+            </a:r>
+            <a:r>
+              <a:rPr lang="pt-BR" dirty="0" err="1" smtClean="0">
+                <a:latin typeface="Courier New" pitchFamily="49" charset="0"/>
+                <a:cs typeface="Courier New" pitchFamily="49" charset="0"/>
+              </a:rPr>
+              <a:t>bool</a:t>
+            </a:r>
+            <a:r>
+              <a:rPr lang="pt-BR" dirty="0" smtClean="0">
+                <a:latin typeface="Courier New" pitchFamily="49" charset="0"/>
+                <a:cs typeface="Courier New" pitchFamily="49" charset="0"/>
+              </a:rPr>
+              <a:t>&gt;</a:t>
+            </a:r>
+            <a:r>
+              <a:rPr lang="pt-BR" dirty="0" smtClean="0"/>
+              <a:t>, uma especialização de </a:t>
+            </a:r>
+            <a:r>
+              <a:rPr lang="pt-BR" dirty="0" err="1" smtClean="0">
+                <a:latin typeface="Courier New" pitchFamily="49" charset="0"/>
+                <a:cs typeface="Courier New" pitchFamily="49" charset="0"/>
+              </a:rPr>
+              <a:t>vector</a:t>
+            </a:r>
+            <a:r>
+              <a:rPr lang="pt-BR" dirty="0" smtClean="0"/>
+              <a:t>, usa somente um bit para cada elemento, além de ter a possibilidade de ser referenciado usando os colchetes (“[ ]”), como num </a:t>
+            </a:r>
+            <a:r>
+              <a:rPr lang="pt-BR" i="1" dirty="0" err="1" smtClean="0"/>
+              <a:t>array</a:t>
+            </a:r>
+            <a:r>
+              <a:rPr lang="pt-BR" dirty="0" smtClean="0"/>
+              <a:t>.</a:t>
+            </a:r>
+          </a:p>
+          <a:p>
+            <a:endParaRPr lang="pt-BR" dirty="0"/>
+          </a:p>
+        </p:txBody>
+      </p:sp>
+    </p:spTree>
+  </p:cSld>
+  <p:clrMapOvr>
+    <a:masterClrMapping/>
+  </p:clrMapOvr>
+</p:sld>
+</file>
+
+<file path=ppt/slides/slide8.xml><?xml version="1.0" encoding="utf-8"?>
+<p:sld xmlns:a="http://schemas.openxmlformats.org/drawingml/2006/main" xmlns:r="http://schemas.openxmlformats.org/officeDocument/2006/relationships" xmlns:p="http://schemas.openxmlformats.org/presentationml/2006/main">
+  <p:cSld>
+    <p:spTree>
+      <p:nvGrpSpPr>
+        <p:cNvPr id="1" name=""/>
+        <p:cNvGrpSpPr/>
+        <p:nvPr/>
+      </p:nvGrpSpPr>
+      <p:grpSpPr>
+        <a:xfrm>
+          <a:off x="0" y="0"/>
+          <a:ext cx="0" cy="0"/>
+          <a:chOff x="0" y="0"/>
+          <a:chExt cx="0" cy="0"/>
+        </a:xfrm>
+      </p:grpSpPr>
+      <p:sp>
+        <p:nvSpPr>
+          <p:cNvPr id="2" name="Título 1"/>
+          <p:cNvSpPr>
+            <a:spLocks noGrp="1"/>
+          </p:cNvSpPr>
+          <p:nvPr>
+            <p:ph type="title"/>
+          </p:nvPr>
+        </p:nvSpPr>
+        <p:spPr/>
+        <p:txBody>
+          <a:bodyPr/>
+          <a:lstStyle/>
+          <a:p>
+            <a:r>
+              <a:rPr lang="pt-BR" dirty="0" smtClean="0"/>
               <a:t>Resultados</a:t>
             </a:r>
-            <a:endParaRPr lang="pt-BR"/>
+            <a:endParaRPr lang="pt-BR" dirty="0"/>
           </a:p>
         </p:txBody>
       </p:sp>

--- a/apresentacao.pptx
+++ b/apresentacao.pptx
@@ -7,12 +7,23 @@
   <p:sldIdLst>
     <p:sldId id="256" r:id="rId2"/>
     <p:sldId id="257" r:id="rId3"/>
-    <p:sldId id="258" r:id="rId4"/>
-    <p:sldId id="259" r:id="rId5"/>
-    <p:sldId id="261" r:id="rId6"/>
-    <p:sldId id="262" r:id="rId7"/>
-    <p:sldId id="263" r:id="rId8"/>
-    <p:sldId id="260" r:id="rId9"/>
+    <p:sldId id="268" r:id="rId4"/>
+    <p:sldId id="258" r:id="rId5"/>
+    <p:sldId id="269" r:id="rId6"/>
+    <p:sldId id="259" r:id="rId7"/>
+    <p:sldId id="261" r:id="rId8"/>
+    <p:sldId id="262" r:id="rId9"/>
+    <p:sldId id="263" r:id="rId10"/>
+    <p:sldId id="271" r:id="rId11"/>
+    <p:sldId id="260" r:id="rId12"/>
+    <p:sldId id="267" r:id="rId13"/>
+    <p:sldId id="270" r:id="rId14"/>
+    <p:sldId id="264" r:id="rId15"/>
+    <p:sldId id="273" r:id="rId16"/>
+    <p:sldId id="274" r:id="rId17"/>
+    <p:sldId id="275" r:id="rId18"/>
+    <p:sldId id="276" r:id="rId19"/>
+    <p:sldId id="277" r:id="rId20"/>
   </p:sldIdLst>
   <p:sldSz cx="9144000" cy="6858000" type="screen4x3"/>
   <p:notesSz cx="6858000" cy="9144000"/>
@@ -287,7 +298,8 @@
           <a:p>
             <a:fld id="{75649AAB-6152-4FDE-9061-BB27FAA8BA62}" type="datetimeFigureOut">
               <a:rPr lang="pt-BR" smtClean="0"/>
-              <a:t>20/09/2011</a:t>
+              <a:pPr/>
+              <a:t>21/09/2011</a:t>
             </a:fld>
             <a:endParaRPr lang="pt-BR"/>
           </a:p>
@@ -329,6 +341,7 @@
           <a:p>
             <a:fld id="{B817EBE2-BCB3-46A0-A0FE-563C495FD51B}" type="slidenum">
               <a:rPr lang="pt-BR" smtClean="0"/>
+              <a:pPr/>
               <a:t>‹nº›</a:t>
             </a:fld>
             <a:endParaRPr lang="pt-BR"/>
@@ -452,7 +465,8 @@
           <a:p>
             <a:fld id="{75649AAB-6152-4FDE-9061-BB27FAA8BA62}" type="datetimeFigureOut">
               <a:rPr lang="pt-BR" smtClean="0"/>
-              <a:t>20/09/2011</a:t>
+              <a:pPr/>
+              <a:t>21/09/2011</a:t>
             </a:fld>
             <a:endParaRPr lang="pt-BR"/>
           </a:p>
@@ -494,6 +508,7 @@
           <a:p>
             <a:fld id="{B817EBE2-BCB3-46A0-A0FE-563C495FD51B}" type="slidenum">
               <a:rPr lang="pt-BR" smtClean="0"/>
+              <a:pPr/>
               <a:t>‹nº›</a:t>
             </a:fld>
             <a:endParaRPr lang="pt-BR"/>
@@ -627,7 +642,8 @@
           <a:p>
             <a:fld id="{75649AAB-6152-4FDE-9061-BB27FAA8BA62}" type="datetimeFigureOut">
               <a:rPr lang="pt-BR" smtClean="0"/>
-              <a:t>20/09/2011</a:t>
+              <a:pPr/>
+              <a:t>21/09/2011</a:t>
             </a:fld>
             <a:endParaRPr lang="pt-BR"/>
           </a:p>
@@ -669,6 +685,7 @@
           <a:p>
             <a:fld id="{B817EBE2-BCB3-46A0-A0FE-563C495FD51B}" type="slidenum">
               <a:rPr lang="pt-BR" smtClean="0"/>
+              <a:pPr/>
               <a:t>‹nº›</a:t>
             </a:fld>
             <a:endParaRPr lang="pt-BR"/>
@@ -792,7 +809,8 @@
           <a:p>
             <a:fld id="{75649AAB-6152-4FDE-9061-BB27FAA8BA62}" type="datetimeFigureOut">
               <a:rPr lang="pt-BR" smtClean="0"/>
-              <a:t>20/09/2011</a:t>
+              <a:pPr/>
+              <a:t>21/09/2011</a:t>
             </a:fld>
             <a:endParaRPr lang="pt-BR"/>
           </a:p>
@@ -834,6 +852,7 @@
           <a:p>
             <a:fld id="{B817EBE2-BCB3-46A0-A0FE-563C495FD51B}" type="slidenum">
               <a:rPr lang="pt-BR" smtClean="0"/>
+              <a:pPr/>
               <a:t>‹nº›</a:t>
             </a:fld>
             <a:endParaRPr lang="pt-BR"/>
@@ -1034,7 +1053,8 @@
           <a:p>
             <a:fld id="{75649AAB-6152-4FDE-9061-BB27FAA8BA62}" type="datetimeFigureOut">
               <a:rPr lang="pt-BR" smtClean="0"/>
-              <a:t>20/09/2011</a:t>
+              <a:pPr/>
+              <a:t>21/09/2011</a:t>
             </a:fld>
             <a:endParaRPr lang="pt-BR"/>
           </a:p>
@@ -1076,6 +1096,7 @@
           <a:p>
             <a:fld id="{B817EBE2-BCB3-46A0-A0FE-563C495FD51B}" type="slidenum">
               <a:rPr lang="pt-BR" smtClean="0"/>
+              <a:pPr/>
               <a:t>‹nº›</a:t>
             </a:fld>
             <a:endParaRPr lang="pt-BR"/>
@@ -1298,7 +1319,8 @@
           <a:p>
             <a:fld id="{75649AAB-6152-4FDE-9061-BB27FAA8BA62}" type="datetimeFigureOut">
               <a:rPr lang="pt-BR" smtClean="0"/>
-              <a:t>20/09/2011</a:t>
+              <a:pPr/>
+              <a:t>21/09/2011</a:t>
             </a:fld>
             <a:endParaRPr lang="pt-BR"/>
           </a:p>
@@ -1340,6 +1362,7 @@
           <a:p>
             <a:fld id="{B817EBE2-BCB3-46A0-A0FE-563C495FD51B}" type="slidenum">
               <a:rPr lang="pt-BR" smtClean="0"/>
+              <a:pPr/>
               <a:t>‹nº›</a:t>
             </a:fld>
             <a:endParaRPr lang="pt-BR"/>
@@ -1676,7 +1699,8 @@
           <a:p>
             <a:fld id="{75649AAB-6152-4FDE-9061-BB27FAA8BA62}" type="datetimeFigureOut">
               <a:rPr lang="pt-BR" smtClean="0"/>
-              <a:t>20/09/2011</a:t>
+              <a:pPr/>
+              <a:t>21/09/2011</a:t>
             </a:fld>
             <a:endParaRPr lang="pt-BR"/>
           </a:p>
@@ -1718,6 +1742,7 @@
           <a:p>
             <a:fld id="{B817EBE2-BCB3-46A0-A0FE-563C495FD51B}" type="slidenum">
               <a:rPr lang="pt-BR" smtClean="0"/>
+              <a:pPr/>
               <a:t>‹nº›</a:t>
             </a:fld>
             <a:endParaRPr lang="pt-BR"/>
@@ -1826,7 +1851,8 @@
           <a:p>
             <a:fld id="{75649AAB-6152-4FDE-9061-BB27FAA8BA62}" type="datetimeFigureOut">
               <a:rPr lang="pt-BR" smtClean="0"/>
-              <a:t>20/09/2011</a:t>
+              <a:pPr/>
+              <a:t>21/09/2011</a:t>
             </a:fld>
             <a:endParaRPr lang="pt-BR"/>
           </a:p>
@@ -1868,6 +1894,7 @@
           <a:p>
             <a:fld id="{B817EBE2-BCB3-46A0-A0FE-563C495FD51B}" type="slidenum">
               <a:rPr lang="pt-BR" smtClean="0"/>
+              <a:pPr/>
               <a:t>‹nº›</a:t>
             </a:fld>
             <a:endParaRPr lang="pt-BR"/>
@@ -1916,7 +1943,8 @@
           <a:p>
             <a:fld id="{75649AAB-6152-4FDE-9061-BB27FAA8BA62}" type="datetimeFigureOut">
               <a:rPr lang="pt-BR" smtClean="0"/>
-              <a:t>20/09/2011</a:t>
+              <a:pPr/>
+              <a:t>21/09/2011</a:t>
             </a:fld>
             <a:endParaRPr lang="pt-BR"/>
           </a:p>
@@ -1958,6 +1986,7 @@
           <a:p>
             <a:fld id="{B817EBE2-BCB3-46A0-A0FE-563C495FD51B}" type="slidenum">
               <a:rPr lang="pt-BR" smtClean="0"/>
+              <a:pPr/>
               <a:t>‹nº›</a:t>
             </a:fld>
             <a:endParaRPr lang="pt-BR"/>
@@ -2177,7 +2206,8 @@
           <a:p>
             <a:fld id="{75649AAB-6152-4FDE-9061-BB27FAA8BA62}" type="datetimeFigureOut">
               <a:rPr lang="pt-BR" smtClean="0"/>
-              <a:t>20/09/2011</a:t>
+              <a:pPr/>
+              <a:t>21/09/2011</a:t>
             </a:fld>
             <a:endParaRPr lang="pt-BR"/>
           </a:p>
@@ -2219,6 +2249,7 @@
           <a:p>
             <a:fld id="{B817EBE2-BCB3-46A0-A0FE-563C495FD51B}" type="slidenum">
               <a:rPr lang="pt-BR" smtClean="0"/>
+              <a:pPr/>
               <a:t>‹nº›</a:t>
             </a:fld>
             <a:endParaRPr lang="pt-BR"/>
@@ -2465,7 +2496,8 @@
           <a:p>
             <a:fld id="{75649AAB-6152-4FDE-9061-BB27FAA8BA62}" type="datetimeFigureOut">
               <a:rPr lang="pt-BR" smtClean="0"/>
-              <a:t>20/09/2011</a:t>
+              <a:pPr/>
+              <a:t>21/09/2011</a:t>
             </a:fld>
             <a:endParaRPr lang="pt-BR"/>
           </a:p>
@@ -2512,6 +2544,7 @@
           <a:p>
             <a:fld id="{B817EBE2-BCB3-46A0-A0FE-563C495FD51B}" type="slidenum">
               <a:rPr lang="pt-BR" smtClean="0"/>
+              <a:pPr/>
               <a:t>‹nº›</a:t>
             </a:fld>
             <a:endParaRPr lang="pt-BR"/>
@@ -3236,7 +3269,8 @@
           <a:p>
             <a:fld id="{75649AAB-6152-4FDE-9061-BB27FAA8BA62}" type="datetimeFigureOut">
               <a:rPr lang="pt-BR" smtClean="0"/>
-              <a:t>20/09/2011</a:t>
+              <a:pPr/>
+              <a:t>21/09/2011</a:t>
             </a:fld>
             <a:endParaRPr lang="pt-BR"/>
           </a:p>
@@ -3314,6 +3348,7 @@
           <a:p>
             <a:fld id="{B817EBE2-BCB3-46A0-A0FE-563C495FD51B}" type="slidenum">
               <a:rPr lang="pt-BR" smtClean="0"/>
+              <a:pPr/>
               <a:t>‹nº›</a:t>
             </a:fld>
             <a:endParaRPr lang="pt-BR"/>
@@ -3880,15 +3915,7 @@
             </a:br>
             <a:r>
               <a:rPr lang="pt-BR" dirty="0" smtClean="0"/>
-              <a:t>1º </a:t>
-            </a:r>
-            <a:r>
-              <a:rPr lang="pt-BR" dirty="0" smtClean="0"/>
-              <a:t>T</a:t>
-            </a:r>
-            <a:r>
-              <a:rPr lang="pt-BR" dirty="0" smtClean="0"/>
-              <a:t>rabalho Prático</a:t>
+              <a:t>1º Trabalho Prático</a:t>
             </a:r>
             <a:endParaRPr lang="pt-BR" dirty="0"/>
           </a:p>
@@ -3925,6 +3952,2307 @@
               <a:rPr lang="pt-BR" dirty="0" smtClean="0"/>
               <a:t>Jonathan Augusto da Silva</a:t>
             </a:r>
+            <a:endParaRPr lang="pt-BR" dirty="0"/>
+          </a:p>
+        </p:txBody>
+      </p:sp>
+    </p:spTree>
+  </p:cSld>
+  <p:clrMapOvr>
+    <a:masterClrMapping/>
+  </p:clrMapOvr>
+</p:sld>
+</file>
+
+<file path=ppt/slides/slide10.xml><?xml version="1.0" encoding="utf-8"?>
+<p:sld xmlns:a="http://schemas.openxmlformats.org/drawingml/2006/main" xmlns:r="http://schemas.openxmlformats.org/officeDocument/2006/relationships" xmlns:p="http://schemas.openxmlformats.org/presentationml/2006/main">
+  <p:cSld>
+    <p:spTree>
+      <p:nvGrpSpPr>
+        <p:cNvPr id="1" name=""/>
+        <p:cNvGrpSpPr/>
+        <p:nvPr/>
+      </p:nvGrpSpPr>
+      <p:grpSpPr>
+        <a:xfrm>
+          <a:off x="0" y="0"/>
+          <a:ext cx="0" cy="0"/>
+          <a:chOff x="0" y="0"/>
+          <a:chExt cx="0" cy="0"/>
+        </a:xfrm>
+      </p:grpSpPr>
+      <p:sp>
+        <p:nvSpPr>
+          <p:cNvPr id="2" name="Título 1"/>
+          <p:cNvSpPr>
+            <a:spLocks noGrp="1"/>
+          </p:cNvSpPr>
+          <p:nvPr>
+            <p:ph type="title"/>
+          </p:nvPr>
+        </p:nvSpPr>
+        <p:spPr>
+          <a:xfrm>
+            <a:off x="530352" y="2060848"/>
+            <a:ext cx="7772400" cy="1362456"/>
+          </a:xfrm>
+        </p:spPr>
+        <p:txBody>
+          <a:bodyPr/>
+          <a:lstStyle/>
+          <a:p>
+            <a:r>
+              <a:rPr lang="pt-BR" dirty="0" smtClean="0"/>
+              <a:t>Resultados</a:t>
+            </a:r>
+            <a:endParaRPr lang="pt-BR" dirty="0"/>
+          </a:p>
+        </p:txBody>
+      </p:sp>
+      <p:sp>
+        <p:nvSpPr>
+          <p:cNvPr id="3" name="Espaço Reservado para Texto 2"/>
+          <p:cNvSpPr>
+            <a:spLocks noGrp="1"/>
+          </p:cNvSpPr>
+          <p:nvPr>
+            <p:ph type="body" idx="1"/>
+          </p:nvPr>
+        </p:nvSpPr>
+        <p:spPr>
+          <a:xfrm>
+            <a:off x="530352" y="3448776"/>
+            <a:ext cx="7772400" cy="1509712"/>
+          </a:xfrm>
+        </p:spPr>
+        <p:txBody>
+          <a:bodyPr/>
+          <a:lstStyle/>
+          <a:p>
+            <a:r>
+              <a:rPr lang="pt-BR" dirty="0" smtClean="0"/>
+              <a:t>Grafo de colaboração </a:t>
+            </a:r>
+          </a:p>
+          <a:p>
+            <a:r>
+              <a:rPr lang="pt-BR" dirty="0" smtClean="0"/>
+              <a:t>72000 vértices </a:t>
+            </a:r>
+          </a:p>
+          <a:p>
+            <a:r>
+              <a:rPr lang="pt-BR" dirty="0" smtClean="0"/>
+              <a:t>123379 arestas</a:t>
+            </a:r>
+            <a:endParaRPr lang="pt-BR" dirty="0"/>
+          </a:p>
+        </p:txBody>
+      </p:sp>
+    </p:spTree>
+  </p:cSld>
+  <p:clrMapOvr>
+    <a:masterClrMapping/>
+  </p:clrMapOvr>
+</p:sld>
+</file>
+
+<file path=ppt/slides/slide11.xml><?xml version="1.0" encoding="utf-8"?>
+<p:sld xmlns:a="http://schemas.openxmlformats.org/drawingml/2006/main" xmlns:r="http://schemas.openxmlformats.org/officeDocument/2006/relationships" xmlns:p="http://schemas.openxmlformats.org/presentationml/2006/main">
+  <p:cSld>
+    <p:spTree>
+      <p:nvGrpSpPr>
+        <p:cNvPr id="1" name=""/>
+        <p:cNvGrpSpPr/>
+        <p:nvPr/>
+      </p:nvGrpSpPr>
+      <p:grpSpPr>
+        <a:xfrm>
+          <a:off x="0" y="0"/>
+          <a:ext cx="0" cy="0"/>
+          <a:chOff x="0" y="0"/>
+          <a:chExt cx="0" cy="0"/>
+        </a:xfrm>
+      </p:grpSpPr>
+      <p:sp>
+        <p:nvSpPr>
+          <p:cNvPr id="2" name="Título 1"/>
+          <p:cNvSpPr>
+            <a:spLocks noGrp="1"/>
+          </p:cNvSpPr>
+          <p:nvPr>
+            <p:ph type="title"/>
+          </p:nvPr>
+        </p:nvSpPr>
+        <p:spPr/>
+        <p:txBody>
+          <a:bodyPr>
+            <a:normAutofit fontScale="90000"/>
+          </a:bodyPr>
+          <a:lstStyle/>
+          <a:p>
+            <a:r>
+              <a:rPr lang="pt-BR" dirty="0" smtClean="0"/>
+              <a:t>Resultados – Grafo de colaboração</a:t>
+            </a:r>
+            <a:endParaRPr lang="pt-BR" dirty="0"/>
+          </a:p>
+        </p:txBody>
+      </p:sp>
+      <p:sp>
+        <p:nvSpPr>
+          <p:cNvPr id="3" name="Espaço Reservado para Conteúdo 2"/>
+          <p:cNvSpPr>
+            <a:spLocks noGrp="1"/>
+          </p:cNvSpPr>
+          <p:nvPr>
+            <p:ph idx="1"/>
+          </p:nvPr>
+        </p:nvSpPr>
+        <p:spPr/>
+        <p:txBody>
+          <a:bodyPr/>
+          <a:lstStyle/>
+          <a:p>
+            <a:r>
+              <a:rPr lang="pt-BR" dirty="0" smtClean="0"/>
+              <a:t>Consumo de memória</a:t>
+            </a:r>
+          </a:p>
+          <a:p>
+            <a:endParaRPr lang="pt-BR" dirty="0" smtClean="0"/>
+          </a:p>
+          <a:p>
+            <a:endParaRPr lang="pt-BR" dirty="0" smtClean="0"/>
+          </a:p>
+          <a:p>
+            <a:pPr>
+              <a:buNone/>
+            </a:pPr>
+            <a:endParaRPr lang="pt-BR" dirty="0" smtClean="0"/>
+          </a:p>
+          <a:p>
+            <a:r>
+              <a:rPr lang="pt-BR" dirty="0" smtClean="0"/>
+              <a:t>Tempo de execução</a:t>
+            </a:r>
+          </a:p>
+          <a:p>
+            <a:pPr>
+              <a:buNone/>
+            </a:pPr>
+            <a:endParaRPr lang="pt-BR" dirty="0" smtClean="0"/>
+          </a:p>
+        </p:txBody>
+      </p:sp>
+      <p:graphicFrame>
+        <p:nvGraphicFramePr>
+          <p:cNvPr id="4" name="Tabela 3"/>
+          <p:cNvGraphicFramePr>
+            <a:graphicFrameLocks noGrp="1"/>
+          </p:cNvGraphicFramePr>
+          <p:nvPr/>
+        </p:nvGraphicFramePr>
+        <p:xfrm>
+          <a:off x="1547664" y="2636912"/>
+          <a:ext cx="6096000" cy="1112520"/>
+        </p:xfrm>
+        <a:graphic>
+          <a:graphicData uri="http://schemas.openxmlformats.org/drawingml/2006/table">
+            <a:tbl>
+              <a:tblPr firstRow="1" bandRow="1">
+                <a:tableStyleId>{5C22544A-7EE6-4342-B048-85BDC9FD1C3A}</a:tableStyleId>
+              </a:tblPr>
+              <a:tblGrid>
+                <a:gridCol w="3048000"/>
+                <a:gridCol w="3048000"/>
+              </a:tblGrid>
+              <a:tr h="370840">
+                <a:tc>
+                  <a:txBody>
+                    <a:bodyPr/>
+                    <a:lstStyle/>
+                    <a:p>
+                      <a:pPr algn="ctr"/>
+                      <a:r>
+                        <a:rPr lang="pt-BR" dirty="0" smtClean="0"/>
+                        <a:t>Representação</a:t>
+                      </a:r>
+                      <a:endParaRPr lang="pt-BR" dirty="0"/>
+                    </a:p>
+                  </a:txBody>
+                  <a:tcPr/>
+                </a:tc>
+                <a:tc>
+                  <a:txBody>
+                    <a:bodyPr/>
+                    <a:lstStyle/>
+                    <a:p>
+                      <a:pPr algn="ctr"/>
+                      <a:r>
+                        <a:rPr lang="pt-BR" dirty="0" smtClean="0"/>
+                        <a:t>Memória (MB)</a:t>
+                      </a:r>
+                      <a:endParaRPr lang="pt-BR" dirty="0"/>
+                    </a:p>
+                  </a:txBody>
+                  <a:tcPr/>
+                </a:tc>
+              </a:tr>
+              <a:tr h="370840">
+                <a:tc>
+                  <a:txBody>
+                    <a:bodyPr/>
+                    <a:lstStyle/>
+                    <a:p>
+                      <a:pPr algn="ctr"/>
+                      <a:r>
+                        <a:rPr lang="pt-BR" dirty="0" smtClean="0"/>
+                        <a:t>Lista de Adjacência</a:t>
+                      </a:r>
+                      <a:endParaRPr lang="pt-BR" dirty="0"/>
+                    </a:p>
+                  </a:txBody>
+                  <a:tcPr/>
+                </a:tc>
+                <a:tc>
+                  <a:txBody>
+                    <a:bodyPr/>
+                    <a:lstStyle/>
+                    <a:p>
+                      <a:pPr algn="ctr"/>
+                      <a:r>
+                        <a:rPr lang="pt-BR" dirty="0" smtClean="0"/>
+                        <a:t>1,9</a:t>
+                      </a:r>
+                      <a:endParaRPr lang="pt-BR" dirty="0"/>
+                    </a:p>
+                  </a:txBody>
+                  <a:tcPr/>
+                </a:tc>
+              </a:tr>
+              <a:tr h="370840">
+                <a:tc>
+                  <a:txBody>
+                    <a:bodyPr/>
+                    <a:lstStyle/>
+                    <a:p>
+                      <a:pPr algn="ctr"/>
+                      <a:r>
+                        <a:rPr lang="pt-BR" dirty="0" smtClean="0"/>
+                        <a:t>Matriz de Adjacência</a:t>
+                      </a:r>
+                      <a:endParaRPr lang="pt-BR" dirty="0"/>
+                    </a:p>
+                  </a:txBody>
+                  <a:tcPr/>
+                </a:tc>
+                <a:tc>
+                  <a:txBody>
+                    <a:bodyPr/>
+                    <a:lstStyle/>
+                    <a:p>
+                      <a:pPr algn="ctr"/>
+                      <a:r>
+                        <a:rPr lang="pt-BR" dirty="0" smtClean="0"/>
+                        <a:t>648</a:t>
+                      </a:r>
+                      <a:endParaRPr lang="pt-BR" dirty="0"/>
+                    </a:p>
+                  </a:txBody>
+                  <a:tcPr/>
+                </a:tc>
+              </a:tr>
+            </a:tbl>
+          </a:graphicData>
+        </a:graphic>
+      </p:graphicFrame>
+      <p:graphicFrame>
+        <p:nvGraphicFramePr>
+          <p:cNvPr id="5" name="Tabela 4"/>
+          <p:cNvGraphicFramePr>
+            <a:graphicFrameLocks noGrp="1"/>
+          </p:cNvGraphicFramePr>
+          <p:nvPr/>
+        </p:nvGraphicFramePr>
+        <p:xfrm>
+          <a:off x="1547664" y="4581128"/>
+          <a:ext cx="6096000" cy="1112520"/>
+        </p:xfrm>
+        <a:graphic>
+          <a:graphicData uri="http://schemas.openxmlformats.org/drawingml/2006/table">
+            <a:tbl>
+              <a:tblPr firstRow="1" bandRow="1">
+                <a:tableStyleId>{5C22544A-7EE6-4342-B048-85BDC9FD1C3A}</a:tableStyleId>
+              </a:tblPr>
+              <a:tblGrid>
+                <a:gridCol w="3048000"/>
+                <a:gridCol w="3048000"/>
+              </a:tblGrid>
+              <a:tr h="370840">
+                <a:tc>
+                  <a:txBody>
+                    <a:bodyPr/>
+                    <a:lstStyle/>
+                    <a:p>
+                      <a:pPr algn="ctr"/>
+                      <a:r>
+                        <a:rPr lang="pt-BR" dirty="0" smtClean="0"/>
+                        <a:t>Representação</a:t>
+                      </a:r>
+                      <a:endParaRPr lang="pt-BR" dirty="0"/>
+                    </a:p>
+                  </a:txBody>
+                  <a:tcPr/>
+                </a:tc>
+                <a:tc>
+                  <a:txBody>
+                    <a:bodyPr/>
+                    <a:lstStyle/>
+                    <a:p>
+                      <a:pPr algn="ctr"/>
+                      <a:r>
+                        <a:rPr lang="pt-BR" dirty="0" smtClean="0"/>
+                        <a:t>Tempo (s)</a:t>
+                      </a:r>
+                      <a:endParaRPr lang="pt-BR" dirty="0"/>
+                    </a:p>
+                  </a:txBody>
+                  <a:tcPr/>
+                </a:tc>
+              </a:tr>
+              <a:tr h="370840">
+                <a:tc>
+                  <a:txBody>
+                    <a:bodyPr/>
+                    <a:lstStyle/>
+                    <a:p>
+                      <a:pPr algn="ctr"/>
+                      <a:r>
+                        <a:rPr lang="pt-BR" dirty="0" smtClean="0"/>
+                        <a:t>Lista de Adjacência</a:t>
+                      </a:r>
+                      <a:endParaRPr lang="pt-BR" dirty="0"/>
+                    </a:p>
+                  </a:txBody>
+                  <a:tcPr/>
+                </a:tc>
+                <a:tc>
+                  <a:txBody>
+                    <a:bodyPr/>
+                    <a:lstStyle/>
+                    <a:p>
+                      <a:pPr algn="ctr"/>
+                      <a:r>
+                        <a:rPr lang="pt-BR" dirty="0" smtClean="0"/>
+                        <a:t>17</a:t>
+                      </a:r>
+                      <a:endParaRPr lang="pt-BR" dirty="0"/>
+                    </a:p>
+                  </a:txBody>
+                  <a:tcPr/>
+                </a:tc>
+              </a:tr>
+              <a:tr h="370840">
+                <a:tc>
+                  <a:txBody>
+                    <a:bodyPr/>
+                    <a:lstStyle/>
+                    <a:p>
+                      <a:pPr algn="ctr"/>
+                      <a:r>
+                        <a:rPr lang="pt-BR" dirty="0" smtClean="0"/>
+                        <a:t>Matriz de Adjacência</a:t>
+                      </a:r>
+                      <a:endParaRPr lang="pt-BR" dirty="0"/>
+                    </a:p>
+                  </a:txBody>
+                  <a:tcPr/>
+                </a:tc>
+                <a:tc>
+                  <a:txBody>
+                    <a:bodyPr/>
+                    <a:lstStyle/>
+                    <a:p>
+                      <a:pPr algn="ctr"/>
+                      <a:r>
+                        <a:rPr lang="pt-BR" dirty="0" smtClean="0"/>
+                        <a:t>&lt;</a:t>
+                      </a:r>
+                      <a:r>
+                        <a:rPr lang="pt-BR" baseline="0" dirty="0" smtClean="0"/>
+                        <a:t> 1</a:t>
+                      </a:r>
+                      <a:endParaRPr lang="pt-BR" dirty="0"/>
+                    </a:p>
+                  </a:txBody>
+                  <a:tcPr/>
+                </a:tc>
+              </a:tr>
+            </a:tbl>
+          </a:graphicData>
+        </a:graphic>
+      </p:graphicFrame>
+    </p:spTree>
+  </p:cSld>
+  <p:clrMapOvr>
+    <a:masterClrMapping/>
+  </p:clrMapOvr>
+</p:sld>
+</file>
+
+<file path=ppt/slides/slide12.xml><?xml version="1.0" encoding="utf-8"?>
+<p:sld xmlns:a="http://schemas.openxmlformats.org/drawingml/2006/main" xmlns:r="http://schemas.openxmlformats.org/officeDocument/2006/relationships" xmlns:p="http://schemas.openxmlformats.org/presentationml/2006/main">
+  <p:cSld>
+    <p:spTree>
+      <p:nvGrpSpPr>
+        <p:cNvPr id="1" name=""/>
+        <p:cNvGrpSpPr/>
+        <p:nvPr/>
+      </p:nvGrpSpPr>
+      <p:grpSpPr>
+        <a:xfrm>
+          <a:off x="0" y="0"/>
+          <a:ext cx="0" cy="0"/>
+          <a:chOff x="0" y="0"/>
+          <a:chExt cx="0" cy="0"/>
+        </a:xfrm>
+      </p:grpSpPr>
+      <p:sp>
+        <p:nvSpPr>
+          <p:cNvPr id="2" name="Título 1"/>
+          <p:cNvSpPr>
+            <a:spLocks noGrp="1"/>
+          </p:cNvSpPr>
+          <p:nvPr>
+            <p:ph type="title"/>
+          </p:nvPr>
+        </p:nvSpPr>
+        <p:spPr/>
+        <p:txBody>
+          <a:bodyPr>
+            <a:normAutofit fontScale="90000"/>
+          </a:bodyPr>
+          <a:lstStyle/>
+          <a:p>
+            <a:r>
+              <a:rPr lang="pt-BR" dirty="0" smtClean="0"/>
+              <a:t>Resultados – Grafo de colaboração</a:t>
+            </a:r>
+            <a:endParaRPr lang="pt-BR" dirty="0"/>
+          </a:p>
+        </p:txBody>
+      </p:sp>
+      <p:sp>
+        <p:nvSpPr>
+          <p:cNvPr id="3" name="Espaço Reservado para Conteúdo 2"/>
+          <p:cNvSpPr>
+            <a:spLocks noGrp="1"/>
+          </p:cNvSpPr>
+          <p:nvPr>
+            <p:ph idx="1"/>
+          </p:nvPr>
+        </p:nvSpPr>
+        <p:spPr/>
+        <p:txBody>
+          <a:bodyPr/>
+          <a:lstStyle/>
+          <a:p>
+            <a:r>
+              <a:rPr lang="pt-BR" dirty="0" smtClean="0"/>
+              <a:t>Distribuição empírica dos graus</a:t>
+            </a:r>
+            <a:endParaRPr lang="pt-BR" dirty="0"/>
+          </a:p>
+        </p:txBody>
+      </p:sp>
+      <p:pic>
+        <p:nvPicPr>
+          <p:cNvPr id="5" name="Imagem 4" descr="cc.jpg"/>
+          <p:cNvPicPr>
+            <a:picLocks noChangeAspect="1"/>
+          </p:cNvPicPr>
+          <p:nvPr/>
+        </p:nvPicPr>
+        <p:blipFill>
+          <a:blip r:embed="rId2" cstate="print"/>
+          <a:stretch>
+            <a:fillRect/>
+          </a:stretch>
+        </p:blipFill>
+        <p:spPr>
+          <a:xfrm>
+            <a:off x="1331640" y="2492896"/>
+            <a:ext cx="6444208" cy="3826955"/>
+          </a:xfrm>
+          <a:prstGeom prst="rect">
+            <a:avLst/>
+          </a:prstGeom>
+        </p:spPr>
+      </p:pic>
+    </p:spTree>
+  </p:cSld>
+  <p:clrMapOvr>
+    <a:masterClrMapping/>
+  </p:clrMapOvr>
+</p:sld>
+</file>
+
+<file path=ppt/slides/slide13.xml><?xml version="1.0" encoding="utf-8"?>
+<p:sld xmlns:a="http://schemas.openxmlformats.org/drawingml/2006/main" xmlns:r="http://schemas.openxmlformats.org/officeDocument/2006/relationships" xmlns:p="http://schemas.openxmlformats.org/presentationml/2006/main">
+  <p:cSld>
+    <p:spTree>
+      <p:nvGrpSpPr>
+        <p:cNvPr id="1" name=""/>
+        <p:cNvGrpSpPr/>
+        <p:nvPr/>
+      </p:nvGrpSpPr>
+      <p:grpSpPr>
+        <a:xfrm>
+          <a:off x="0" y="0"/>
+          <a:ext cx="0" cy="0"/>
+          <a:chOff x="0" y="0"/>
+          <a:chExt cx="0" cy="0"/>
+        </a:xfrm>
+      </p:grpSpPr>
+      <p:sp>
+        <p:nvSpPr>
+          <p:cNvPr id="2" name="Título 1"/>
+          <p:cNvSpPr>
+            <a:spLocks noGrp="1"/>
+          </p:cNvSpPr>
+          <p:nvPr>
+            <p:ph type="title"/>
+          </p:nvPr>
+        </p:nvSpPr>
+        <p:spPr/>
+        <p:txBody>
+          <a:bodyPr>
+            <a:normAutofit fontScale="90000"/>
+          </a:bodyPr>
+          <a:lstStyle/>
+          <a:p>
+            <a:r>
+              <a:rPr lang="pt-BR" dirty="0" smtClean="0"/>
+              <a:t>Resultados – Grafo de colaboração</a:t>
+            </a:r>
+            <a:endParaRPr lang="pt-BR" dirty="0"/>
+          </a:p>
+        </p:txBody>
+      </p:sp>
+      <p:sp>
+        <p:nvSpPr>
+          <p:cNvPr id="3" name="Espaço Reservado para Conteúdo 2"/>
+          <p:cNvSpPr>
+            <a:spLocks noGrp="1"/>
+          </p:cNvSpPr>
+          <p:nvPr>
+            <p:ph idx="1"/>
+          </p:nvPr>
+        </p:nvSpPr>
+        <p:spPr/>
+        <p:txBody>
+          <a:bodyPr anchor="ctr"/>
+          <a:lstStyle/>
+          <a:p>
+            <a:pPr>
+              <a:lnSpc>
+                <a:spcPct val="200000"/>
+              </a:lnSpc>
+            </a:pPr>
+            <a:r>
+              <a:rPr lang="pt-BR" dirty="0" smtClean="0"/>
+              <a:t>Menor grau: 0 (zero)</a:t>
+            </a:r>
+          </a:p>
+          <a:p>
+            <a:pPr>
+              <a:lnSpc>
+                <a:spcPct val="200000"/>
+              </a:lnSpc>
+            </a:pPr>
+            <a:r>
+              <a:rPr lang="pt-BR" dirty="0" smtClean="0"/>
+              <a:t>Maior grau: 71 </a:t>
+            </a:r>
+            <a:endParaRPr lang="pt-BR" dirty="0" smtClean="0"/>
+          </a:p>
+          <a:p>
+            <a:pPr>
+              <a:lnSpc>
+                <a:spcPct val="200000"/>
+              </a:lnSpc>
+            </a:pPr>
+            <a:r>
+              <a:rPr lang="pt-BR" dirty="0" smtClean="0"/>
+              <a:t>18011 componentes conexos</a:t>
+            </a:r>
+          </a:p>
+          <a:p>
+            <a:pPr lvl="1">
+              <a:lnSpc>
+                <a:spcPct val="200000"/>
+              </a:lnSpc>
+            </a:pPr>
+            <a:r>
+              <a:rPr lang="pt-BR" dirty="0" smtClean="0"/>
+              <a:t>Menor componente conexo: 1 vértice</a:t>
+            </a:r>
+          </a:p>
+          <a:p>
+            <a:pPr lvl="1">
+              <a:lnSpc>
+                <a:spcPct val="200000"/>
+              </a:lnSpc>
+            </a:pPr>
+            <a:r>
+              <a:rPr lang="pt-BR" dirty="0" smtClean="0"/>
+              <a:t>Maior componente conexo: 33533</a:t>
+            </a:r>
+          </a:p>
+        </p:txBody>
+      </p:sp>
+    </p:spTree>
+  </p:cSld>
+  <p:clrMapOvr>
+    <a:masterClrMapping/>
+  </p:clrMapOvr>
+</p:sld>
+</file>
+
+<file path=ppt/slides/slide14.xml><?xml version="1.0" encoding="utf-8"?>
+<p:sld xmlns:a="http://schemas.openxmlformats.org/drawingml/2006/main" xmlns:r="http://schemas.openxmlformats.org/officeDocument/2006/relationships" xmlns:p="http://schemas.openxmlformats.org/presentationml/2006/main">
+  <p:cSld>
+    <p:spTree>
+      <p:nvGrpSpPr>
+        <p:cNvPr id="1" name=""/>
+        <p:cNvGrpSpPr/>
+        <p:nvPr/>
+      </p:nvGrpSpPr>
+      <p:grpSpPr>
+        <a:xfrm>
+          <a:off x="0" y="0"/>
+          <a:ext cx="0" cy="0"/>
+          <a:chOff x="0" y="0"/>
+          <a:chExt cx="0" cy="0"/>
+        </a:xfrm>
+      </p:grpSpPr>
+      <p:sp>
+        <p:nvSpPr>
+          <p:cNvPr id="2" name="Título 1"/>
+          <p:cNvSpPr>
+            <a:spLocks noGrp="1"/>
+          </p:cNvSpPr>
+          <p:nvPr>
+            <p:ph type="title"/>
+          </p:nvPr>
+        </p:nvSpPr>
+        <p:spPr>
+          <a:xfrm>
+            <a:off x="530352" y="2060848"/>
+            <a:ext cx="7772400" cy="1362456"/>
+          </a:xfrm>
+        </p:spPr>
+        <p:txBody>
+          <a:bodyPr/>
+          <a:lstStyle/>
+          <a:p>
+            <a:r>
+              <a:rPr lang="pt-BR" dirty="0" smtClean="0"/>
+              <a:t>Resultados</a:t>
+            </a:r>
+            <a:endParaRPr lang="pt-BR" dirty="0"/>
+          </a:p>
+        </p:txBody>
+      </p:sp>
+      <p:sp>
+        <p:nvSpPr>
+          <p:cNvPr id="3" name="Espaço Reservado para Texto 2"/>
+          <p:cNvSpPr>
+            <a:spLocks noGrp="1"/>
+          </p:cNvSpPr>
+          <p:nvPr>
+            <p:ph type="body" idx="1"/>
+          </p:nvPr>
+        </p:nvSpPr>
+        <p:spPr>
+          <a:xfrm>
+            <a:off x="530352" y="3448776"/>
+            <a:ext cx="7772400" cy="1509712"/>
+          </a:xfrm>
+        </p:spPr>
+        <p:txBody>
+          <a:bodyPr/>
+          <a:lstStyle/>
+          <a:p>
+            <a:r>
+              <a:rPr lang="pt-BR" dirty="0" smtClean="0"/>
+              <a:t>Grafo da Internet</a:t>
+            </a:r>
+          </a:p>
+          <a:p>
+            <a:r>
+              <a:rPr lang="pt-BR" dirty="0" smtClean="0"/>
+              <a:t>32385 vértices </a:t>
+            </a:r>
+          </a:p>
+          <a:p>
+            <a:r>
+              <a:rPr lang="pt-BR" dirty="0" smtClean="0"/>
+              <a:t>46823 arestas</a:t>
+            </a:r>
+            <a:endParaRPr lang="pt-BR" dirty="0"/>
+          </a:p>
+        </p:txBody>
+      </p:sp>
+    </p:spTree>
+  </p:cSld>
+  <p:clrMapOvr>
+    <a:masterClrMapping/>
+  </p:clrMapOvr>
+</p:sld>
+</file>
+
+<file path=ppt/slides/slide15.xml><?xml version="1.0" encoding="utf-8"?>
+<p:sld xmlns:a="http://schemas.openxmlformats.org/drawingml/2006/main" xmlns:r="http://schemas.openxmlformats.org/officeDocument/2006/relationships" xmlns:p="http://schemas.openxmlformats.org/presentationml/2006/main">
+  <p:cSld>
+    <p:spTree>
+      <p:nvGrpSpPr>
+        <p:cNvPr id="1" name=""/>
+        <p:cNvGrpSpPr/>
+        <p:nvPr/>
+      </p:nvGrpSpPr>
+      <p:grpSpPr>
+        <a:xfrm>
+          <a:off x="0" y="0"/>
+          <a:ext cx="0" cy="0"/>
+          <a:chOff x="0" y="0"/>
+          <a:chExt cx="0" cy="0"/>
+        </a:xfrm>
+      </p:grpSpPr>
+      <p:sp>
+        <p:nvSpPr>
+          <p:cNvPr id="2" name="Título 1"/>
+          <p:cNvSpPr>
+            <a:spLocks noGrp="1"/>
+          </p:cNvSpPr>
+          <p:nvPr>
+            <p:ph type="title"/>
+          </p:nvPr>
+        </p:nvSpPr>
+        <p:spPr/>
+        <p:txBody>
+          <a:bodyPr>
+            <a:normAutofit/>
+          </a:bodyPr>
+          <a:lstStyle/>
+          <a:p>
+            <a:r>
+              <a:rPr lang="pt-BR" dirty="0" smtClean="0"/>
+              <a:t>Resultados – Grafo </a:t>
+            </a:r>
+            <a:r>
+              <a:rPr lang="pt-BR" dirty="0" smtClean="0"/>
+              <a:t>da Internet</a:t>
+            </a:r>
+            <a:endParaRPr lang="pt-BR" dirty="0"/>
+          </a:p>
+        </p:txBody>
+      </p:sp>
+      <p:sp>
+        <p:nvSpPr>
+          <p:cNvPr id="3" name="Espaço Reservado para Conteúdo 2"/>
+          <p:cNvSpPr>
+            <a:spLocks noGrp="1"/>
+          </p:cNvSpPr>
+          <p:nvPr>
+            <p:ph idx="1"/>
+          </p:nvPr>
+        </p:nvSpPr>
+        <p:spPr/>
+        <p:txBody>
+          <a:bodyPr/>
+          <a:lstStyle/>
+          <a:p>
+            <a:r>
+              <a:rPr lang="pt-BR" dirty="0" smtClean="0"/>
+              <a:t>Distribuição empírica dos graus</a:t>
+            </a:r>
+            <a:endParaRPr lang="pt-BR" dirty="0"/>
+          </a:p>
+        </p:txBody>
+      </p:sp>
+      <p:pic>
+        <p:nvPicPr>
+          <p:cNvPr id="6" name="Imagem 5" descr="cc_as.jpg"/>
+          <p:cNvPicPr>
+            <a:picLocks noChangeAspect="1"/>
+          </p:cNvPicPr>
+          <p:nvPr/>
+        </p:nvPicPr>
+        <p:blipFill>
+          <a:blip r:embed="rId2" cstate="print"/>
+          <a:stretch>
+            <a:fillRect/>
+          </a:stretch>
+        </p:blipFill>
+        <p:spPr>
+          <a:xfrm>
+            <a:off x="1475656" y="2636912"/>
+            <a:ext cx="6156176" cy="3533609"/>
+          </a:xfrm>
+          <a:prstGeom prst="rect">
+            <a:avLst/>
+          </a:prstGeom>
+        </p:spPr>
+      </p:pic>
+    </p:spTree>
+  </p:cSld>
+  <p:clrMapOvr>
+    <a:masterClrMapping/>
+  </p:clrMapOvr>
+</p:sld>
+</file>
+
+<file path=ppt/slides/slide16.xml><?xml version="1.0" encoding="utf-8"?>
+<p:sld xmlns:a="http://schemas.openxmlformats.org/drawingml/2006/main" xmlns:r="http://schemas.openxmlformats.org/officeDocument/2006/relationships" xmlns:p="http://schemas.openxmlformats.org/presentationml/2006/main">
+  <p:cSld>
+    <p:spTree>
+      <p:nvGrpSpPr>
+        <p:cNvPr id="1" name=""/>
+        <p:cNvGrpSpPr/>
+        <p:nvPr/>
+      </p:nvGrpSpPr>
+      <p:grpSpPr>
+        <a:xfrm>
+          <a:off x="0" y="0"/>
+          <a:ext cx="0" cy="0"/>
+          <a:chOff x="0" y="0"/>
+          <a:chExt cx="0" cy="0"/>
+        </a:xfrm>
+      </p:grpSpPr>
+      <p:sp>
+        <p:nvSpPr>
+          <p:cNvPr id="2" name="Título 1"/>
+          <p:cNvSpPr>
+            <a:spLocks noGrp="1"/>
+          </p:cNvSpPr>
+          <p:nvPr>
+            <p:ph type="title"/>
+          </p:nvPr>
+        </p:nvSpPr>
+        <p:spPr/>
+        <p:txBody>
+          <a:bodyPr>
+            <a:normAutofit/>
+          </a:bodyPr>
+          <a:lstStyle/>
+          <a:p>
+            <a:r>
+              <a:rPr lang="pt-BR" dirty="0" smtClean="0"/>
+              <a:t>Resultados – Grafo </a:t>
+            </a:r>
+            <a:r>
+              <a:rPr lang="pt-BR" dirty="0" smtClean="0"/>
+              <a:t>da Internet</a:t>
+            </a:r>
+            <a:endParaRPr lang="pt-BR" dirty="0"/>
+          </a:p>
+        </p:txBody>
+      </p:sp>
+      <p:sp>
+        <p:nvSpPr>
+          <p:cNvPr id="3" name="Espaço Reservado para Conteúdo 2"/>
+          <p:cNvSpPr>
+            <a:spLocks noGrp="1"/>
+          </p:cNvSpPr>
+          <p:nvPr>
+            <p:ph idx="1"/>
+          </p:nvPr>
+        </p:nvSpPr>
+        <p:spPr/>
+        <p:txBody>
+          <a:bodyPr anchor="ctr"/>
+          <a:lstStyle/>
+          <a:p>
+            <a:pPr>
+              <a:lnSpc>
+                <a:spcPct val="200000"/>
+              </a:lnSpc>
+            </a:pPr>
+            <a:r>
+              <a:rPr lang="pt-BR" dirty="0" smtClean="0"/>
+              <a:t>Menor grau: 1</a:t>
+            </a:r>
+          </a:p>
+          <a:p>
+            <a:pPr>
+              <a:lnSpc>
+                <a:spcPct val="200000"/>
+              </a:lnSpc>
+            </a:pPr>
+            <a:r>
+              <a:rPr lang="pt-BR" dirty="0" smtClean="0"/>
+              <a:t>Maior grau: 2159</a:t>
+            </a:r>
+            <a:endParaRPr lang="pt-BR" dirty="0" smtClean="0"/>
+          </a:p>
+          <a:p>
+            <a:pPr>
+              <a:lnSpc>
+                <a:spcPct val="200000"/>
+              </a:lnSpc>
+            </a:pPr>
+            <a:r>
+              <a:rPr lang="pt-BR" dirty="0" smtClean="0"/>
+              <a:t>1 único componente conexo</a:t>
+            </a:r>
+          </a:p>
+          <a:p>
+            <a:pPr lvl="1">
+              <a:lnSpc>
+                <a:spcPct val="200000"/>
+              </a:lnSpc>
+            </a:pPr>
+            <a:r>
+              <a:rPr lang="pt-BR" dirty="0" smtClean="0"/>
+              <a:t>O próprio grafo! 32385 vértices</a:t>
+            </a:r>
+          </a:p>
+          <a:p>
+            <a:pPr lvl="1">
+              <a:lnSpc>
+                <a:spcPct val="200000"/>
+              </a:lnSpc>
+            </a:pPr>
+            <a:endParaRPr lang="pt-BR" dirty="0" smtClean="0"/>
+          </a:p>
+        </p:txBody>
+      </p:sp>
+    </p:spTree>
+  </p:cSld>
+  <p:clrMapOvr>
+    <a:masterClrMapping/>
+  </p:clrMapOvr>
+</p:sld>
+</file>
+
+<file path=ppt/slides/slide17.xml><?xml version="1.0" encoding="utf-8"?>
+<p:sld xmlns:a="http://schemas.openxmlformats.org/drawingml/2006/main" xmlns:r="http://schemas.openxmlformats.org/officeDocument/2006/relationships" xmlns:p="http://schemas.openxmlformats.org/presentationml/2006/main">
+  <p:cSld>
+    <p:spTree>
+      <p:nvGrpSpPr>
+        <p:cNvPr id="1" name=""/>
+        <p:cNvGrpSpPr/>
+        <p:nvPr/>
+      </p:nvGrpSpPr>
+      <p:grpSpPr>
+        <a:xfrm>
+          <a:off x="0" y="0"/>
+          <a:ext cx="0" cy="0"/>
+          <a:chOff x="0" y="0"/>
+          <a:chExt cx="0" cy="0"/>
+        </a:xfrm>
+      </p:grpSpPr>
+      <p:sp>
+        <p:nvSpPr>
+          <p:cNvPr id="2" name="Título 1"/>
+          <p:cNvSpPr>
+            <a:spLocks noGrp="1"/>
+          </p:cNvSpPr>
+          <p:nvPr>
+            <p:ph type="title"/>
+          </p:nvPr>
+        </p:nvSpPr>
+        <p:spPr/>
+        <p:txBody>
+          <a:bodyPr/>
+          <a:lstStyle/>
+          <a:p>
+            <a:r>
+              <a:rPr lang="pt-BR" dirty="0" smtClean="0"/>
+              <a:t>Resultados – Grafo da Internet</a:t>
+            </a:r>
+            <a:endParaRPr lang="pt-BR" dirty="0"/>
+          </a:p>
+        </p:txBody>
+      </p:sp>
+      <p:sp>
+        <p:nvSpPr>
+          <p:cNvPr id="3" name="Espaço Reservado para Conteúdo 2"/>
+          <p:cNvSpPr>
+            <a:spLocks noGrp="1"/>
+          </p:cNvSpPr>
+          <p:nvPr>
+            <p:ph idx="1"/>
+          </p:nvPr>
+        </p:nvSpPr>
+        <p:spPr/>
+        <p:txBody>
+          <a:bodyPr/>
+          <a:lstStyle/>
+          <a:p>
+            <a:r>
+              <a:rPr lang="pt-BR" dirty="0" smtClean="0"/>
+              <a:t>Árvore geradora de busca – níveis máximos</a:t>
+            </a:r>
+            <a:endParaRPr lang="pt-BR" dirty="0"/>
+          </a:p>
+        </p:txBody>
+      </p:sp>
+      <p:graphicFrame>
+        <p:nvGraphicFramePr>
+          <p:cNvPr id="5" name="Tabela 4"/>
+          <p:cNvGraphicFramePr>
+            <a:graphicFrameLocks noGrp="1"/>
+          </p:cNvGraphicFramePr>
+          <p:nvPr/>
+        </p:nvGraphicFramePr>
+        <p:xfrm>
+          <a:off x="395536" y="2564904"/>
+          <a:ext cx="8208901" cy="3230112"/>
+        </p:xfrm>
+        <a:graphic>
+          <a:graphicData uri="http://schemas.openxmlformats.org/drawingml/2006/table">
+            <a:tbl>
+              <a:tblPr firstRow="1" bandRow="1">
+                <a:tableStyleId>{5C22544A-7EE6-4342-B048-85BDC9FD1C3A}</a:tableStyleId>
+              </a:tblPr>
+              <a:tblGrid>
+                <a:gridCol w="1368144"/>
+                <a:gridCol w="621887"/>
+                <a:gridCol w="621887"/>
+                <a:gridCol w="621887"/>
+                <a:gridCol w="621887"/>
+                <a:gridCol w="621887"/>
+                <a:gridCol w="621887"/>
+                <a:gridCol w="621887"/>
+                <a:gridCol w="621887"/>
+                <a:gridCol w="621887"/>
+                <a:gridCol w="621887"/>
+                <a:gridCol w="621887"/>
+              </a:tblGrid>
+              <a:tr h="807528">
+                <a:tc>
+                  <a:txBody>
+                    <a:bodyPr/>
+                    <a:lstStyle/>
+                    <a:p>
+                      <a:pPr algn="ctr"/>
+                      <a:r>
+                        <a:rPr lang="pt-BR" dirty="0" smtClean="0"/>
+                        <a:t>Vértice Inicial</a:t>
+                      </a:r>
+                      <a:endParaRPr lang="pt-BR" dirty="0"/>
+                    </a:p>
+                  </a:txBody>
+                  <a:tcPr anchor="ctr"/>
+                </a:tc>
+                <a:tc>
+                  <a:txBody>
+                    <a:bodyPr/>
+                    <a:lstStyle/>
+                    <a:p>
+                      <a:pPr algn="ctr"/>
+                      <a:r>
+                        <a:rPr lang="pt-BR" dirty="0" smtClean="0"/>
+                        <a:t>1</a:t>
+                      </a:r>
+                      <a:endParaRPr lang="pt-BR" dirty="0"/>
+                    </a:p>
+                  </a:txBody>
+                  <a:tcPr anchor="ctr"/>
+                </a:tc>
+                <a:tc>
+                  <a:txBody>
+                    <a:bodyPr/>
+                    <a:lstStyle/>
+                    <a:p>
+                      <a:pPr algn="ctr"/>
+                      <a:r>
+                        <a:rPr lang="pt-BR" dirty="0" smtClean="0"/>
+                        <a:t>10</a:t>
+                      </a:r>
+                      <a:endParaRPr lang="pt-BR" dirty="0"/>
+                    </a:p>
+                  </a:txBody>
+                  <a:tcPr anchor="ctr"/>
+                </a:tc>
+                <a:tc>
+                  <a:txBody>
+                    <a:bodyPr/>
+                    <a:lstStyle/>
+                    <a:p>
+                      <a:pPr algn="ctr"/>
+                      <a:r>
+                        <a:rPr lang="pt-BR" dirty="0" smtClean="0"/>
+                        <a:t>20</a:t>
+                      </a:r>
+                      <a:endParaRPr lang="pt-BR" dirty="0"/>
+                    </a:p>
+                  </a:txBody>
+                  <a:tcPr anchor="ctr"/>
+                </a:tc>
+                <a:tc>
+                  <a:txBody>
+                    <a:bodyPr/>
+                    <a:lstStyle/>
+                    <a:p>
+                      <a:pPr algn="ctr"/>
+                      <a:r>
+                        <a:rPr lang="pt-BR" dirty="0" smtClean="0"/>
+                        <a:t>30</a:t>
+                      </a:r>
+                      <a:endParaRPr lang="pt-BR" dirty="0"/>
+                    </a:p>
+                  </a:txBody>
+                  <a:tcPr anchor="ctr"/>
+                </a:tc>
+                <a:tc>
+                  <a:txBody>
+                    <a:bodyPr/>
+                    <a:lstStyle/>
+                    <a:p>
+                      <a:pPr algn="ctr"/>
+                      <a:r>
+                        <a:rPr lang="pt-BR" dirty="0" smtClean="0"/>
+                        <a:t>40</a:t>
+                      </a:r>
+                      <a:endParaRPr lang="pt-BR" dirty="0"/>
+                    </a:p>
+                  </a:txBody>
+                  <a:tcPr anchor="ctr"/>
+                </a:tc>
+                <a:tc>
+                  <a:txBody>
+                    <a:bodyPr/>
+                    <a:lstStyle/>
+                    <a:p>
+                      <a:pPr algn="ctr"/>
+                      <a:r>
+                        <a:rPr lang="pt-BR" dirty="0" smtClean="0"/>
+                        <a:t>50</a:t>
+                      </a:r>
+                      <a:endParaRPr lang="pt-BR" dirty="0"/>
+                    </a:p>
+                  </a:txBody>
+                  <a:tcPr anchor="ctr"/>
+                </a:tc>
+                <a:tc>
+                  <a:txBody>
+                    <a:bodyPr/>
+                    <a:lstStyle/>
+                    <a:p>
+                      <a:pPr algn="ctr"/>
+                      <a:r>
+                        <a:rPr lang="pt-BR" dirty="0" smtClean="0"/>
+                        <a:t>60</a:t>
+                      </a:r>
+                      <a:endParaRPr lang="pt-BR" dirty="0"/>
+                    </a:p>
+                  </a:txBody>
+                  <a:tcPr anchor="ctr"/>
+                </a:tc>
+                <a:tc>
+                  <a:txBody>
+                    <a:bodyPr/>
+                    <a:lstStyle/>
+                    <a:p>
+                      <a:pPr algn="ctr"/>
+                      <a:r>
+                        <a:rPr lang="pt-BR" dirty="0" smtClean="0"/>
+                        <a:t>70</a:t>
+                      </a:r>
+                      <a:endParaRPr lang="pt-BR" dirty="0"/>
+                    </a:p>
+                  </a:txBody>
+                  <a:tcPr anchor="ctr"/>
+                </a:tc>
+                <a:tc>
+                  <a:txBody>
+                    <a:bodyPr/>
+                    <a:lstStyle/>
+                    <a:p>
+                      <a:pPr algn="ctr"/>
+                      <a:r>
+                        <a:rPr lang="pt-BR" dirty="0" smtClean="0"/>
+                        <a:t>80</a:t>
+                      </a:r>
+                      <a:endParaRPr lang="pt-BR" dirty="0"/>
+                    </a:p>
+                  </a:txBody>
+                  <a:tcPr anchor="ctr"/>
+                </a:tc>
+                <a:tc>
+                  <a:txBody>
+                    <a:bodyPr/>
+                    <a:lstStyle/>
+                    <a:p>
+                      <a:pPr algn="ctr"/>
+                      <a:r>
+                        <a:rPr lang="pt-BR" dirty="0" smtClean="0"/>
+                        <a:t>90</a:t>
+                      </a:r>
+                      <a:endParaRPr lang="pt-BR" dirty="0"/>
+                    </a:p>
+                  </a:txBody>
+                  <a:tcPr anchor="ctr"/>
+                </a:tc>
+                <a:tc>
+                  <a:txBody>
+                    <a:bodyPr/>
+                    <a:lstStyle/>
+                    <a:p>
+                      <a:pPr algn="ctr"/>
+                      <a:r>
+                        <a:rPr lang="pt-BR" dirty="0" smtClean="0"/>
+                        <a:t>100</a:t>
+                      </a:r>
+                      <a:endParaRPr lang="pt-BR" dirty="0"/>
+                    </a:p>
+                  </a:txBody>
+                  <a:tcPr anchor="ctr"/>
+                </a:tc>
+              </a:tr>
+              <a:tr h="807528">
+                <a:tc>
+                  <a:txBody>
+                    <a:bodyPr/>
+                    <a:lstStyle/>
+                    <a:p>
+                      <a:pPr algn="ctr"/>
+                      <a:r>
+                        <a:rPr lang="pt-BR" dirty="0" smtClean="0"/>
+                        <a:t>Tamanho da árvore</a:t>
+                      </a:r>
+                      <a:endParaRPr lang="pt-BR" dirty="0"/>
+                    </a:p>
+                  </a:txBody>
+                  <a:tcPr anchor="ctr"/>
+                </a:tc>
+                <a:tc>
+                  <a:txBody>
+                    <a:bodyPr/>
+                    <a:lstStyle/>
+                    <a:p>
+                      <a:pPr algn="ctr"/>
+                      <a:r>
+                        <a:rPr lang="pt-BR" smtClean="0"/>
+                        <a:t>6</a:t>
+                      </a:r>
+                      <a:endParaRPr lang="pt-BR" dirty="0"/>
+                    </a:p>
+                  </a:txBody>
+                  <a:tcPr anchor="ctr"/>
+                </a:tc>
+                <a:tc>
+                  <a:txBody>
+                    <a:bodyPr/>
+                    <a:lstStyle/>
+                    <a:p>
+                      <a:pPr algn="ctr">
+                        <a:lnSpc>
+                          <a:spcPct val="115000"/>
+                        </a:lnSpc>
+                        <a:spcAft>
+                          <a:spcPts val="0"/>
+                        </a:spcAft>
+                      </a:pPr>
+                      <a:r>
+                        <a:rPr lang="pt-BR" sz="1800">
+                          <a:latin typeface="+mn-lt"/>
+                          <a:ea typeface="Calibri"/>
+                        </a:rPr>
+                        <a:t>6</a:t>
+                      </a:r>
+                    </a:p>
+                  </a:txBody>
+                  <a:tcPr marL="68580" marR="68580" marT="0" marB="0" anchor="ctr"/>
+                </a:tc>
+                <a:tc>
+                  <a:txBody>
+                    <a:bodyPr/>
+                    <a:lstStyle/>
+                    <a:p>
+                      <a:pPr algn="ctr">
+                        <a:lnSpc>
+                          <a:spcPct val="115000"/>
+                        </a:lnSpc>
+                        <a:spcAft>
+                          <a:spcPts val="0"/>
+                        </a:spcAft>
+                      </a:pPr>
+                      <a:r>
+                        <a:rPr lang="pt-BR" sz="1800" dirty="0">
+                          <a:latin typeface="+mn-lt"/>
+                          <a:ea typeface="Calibri"/>
+                        </a:rPr>
+                        <a:t>7</a:t>
+                      </a:r>
+                    </a:p>
+                  </a:txBody>
+                  <a:tcPr marL="68580" marR="68580" marT="0" marB="0" anchor="ctr"/>
+                </a:tc>
+                <a:tc>
+                  <a:txBody>
+                    <a:bodyPr/>
+                    <a:lstStyle/>
+                    <a:p>
+                      <a:pPr algn="ctr">
+                        <a:lnSpc>
+                          <a:spcPct val="115000"/>
+                        </a:lnSpc>
+                        <a:spcAft>
+                          <a:spcPts val="0"/>
+                        </a:spcAft>
+                      </a:pPr>
+                      <a:r>
+                        <a:rPr lang="pt-BR" sz="1800" dirty="0">
+                          <a:latin typeface="+mn-lt"/>
+                          <a:ea typeface="Calibri"/>
+                        </a:rPr>
+                        <a:t>7</a:t>
+                      </a:r>
+                    </a:p>
+                  </a:txBody>
+                  <a:tcPr marL="68580" marR="68580" marT="0" marB="0" anchor="ctr"/>
+                </a:tc>
+                <a:tc>
+                  <a:txBody>
+                    <a:bodyPr/>
+                    <a:lstStyle/>
+                    <a:p>
+                      <a:pPr algn="ctr">
+                        <a:lnSpc>
+                          <a:spcPct val="115000"/>
+                        </a:lnSpc>
+                        <a:spcAft>
+                          <a:spcPts val="0"/>
+                        </a:spcAft>
+                      </a:pPr>
+                      <a:r>
+                        <a:rPr lang="pt-BR" sz="1800" dirty="0">
+                          <a:latin typeface="+mn-lt"/>
+                          <a:ea typeface="Calibri"/>
+                        </a:rPr>
+                        <a:t>7</a:t>
+                      </a:r>
+                    </a:p>
+                  </a:txBody>
+                  <a:tcPr marL="68580" marR="68580" marT="0" marB="0" anchor="ctr"/>
+                </a:tc>
+                <a:tc>
+                  <a:txBody>
+                    <a:bodyPr/>
+                    <a:lstStyle/>
+                    <a:p>
+                      <a:pPr algn="ctr">
+                        <a:lnSpc>
+                          <a:spcPct val="115000"/>
+                        </a:lnSpc>
+                        <a:spcAft>
+                          <a:spcPts val="0"/>
+                        </a:spcAft>
+                      </a:pPr>
+                      <a:r>
+                        <a:rPr lang="pt-BR" sz="1800" dirty="0">
+                          <a:latin typeface="+mn-lt"/>
+                          <a:ea typeface="Calibri"/>
+                        </a:rPr>
+                        <a:t>7</a:t>
+                      </a:r>
+                    </a:p>
+                  </a:txBody>
+                  <a:tcPr marL="68580" marR="68580" marT="0" marB="0" anchor="ctr"/>
+                </a:tc>
+                <a:tc>
+                  <a:txBody>
+                    <a:bodyPr/>
+                    <a:lstStyle/>
+                    <a:p>
+                      <a:pPr algn="ctr">
+                        <a:lnSpc>
+                          <a:spcPct val="115000"/>
+                        </a:lnSpc>
+                        <a:spcAft>
+                          <a:spcPts val="0"/>
+                        </a:spcAft>
+                      </a:pPr>
+                      <a:r>
+                        <a:rPr lang="pt-BR" sz="1800" dirty="0">
+                          <a:latin typeface="+mn-lt"/>
+                          <a:ea typeface="Calibri"/>
+                        </a:rPr>
+                        <a:t>7</a:t>
+                      </a:r>
+                    </a:p>
+                  </a:txBody>
+                  <a:tcPr marL="68580" marR="68580" marT="0" marB="0" anchor="ctr"/>
+                </a:tc>
+                <a:tc>
+                  <a:txBody>
+                    <a:bodyPr/>
+                    <a:lstStyle/>
+                    <a:p>
+                      <a:pPr algn="ctr">
+                        <a:lnSpc>
+                          <a:spcPct val="115000"/>
+                        </a:lnSpc>
+                        <a:spcAft>
+                          <a:spcPts val="0"/>
+                        </a:spcAft>
+                      </a:pPr>
+                      <a:r>
+                        <a:rPr lang="pt-BR" sz="1800" dirty="0">
+                          <a:latin typeface="+mn-lt"/>
+                          <a:ea typeface="Calibri"/>
+                        </a:rPr>
+                        <a:t>7</a:t>
+                      </a:r>
+                    </a:p>
+                  </a:txBody>
+                  <a:tcPr marL="68580" marR="68580" marT="0" marB="0" anchor="ctr"/>
+                </a:tc>
+                <a:tc>
+                  <a:txBody>
+                    <a:bodyPr/>
+                    <a:lstStyle/>
+                    <a:p>
+                      <a:pPr algn="ctr">
+                        <a:lnSpc>
+                          <a:spcPct val="115000"/>
+                        </a:lnSpc>
+                        <a:spcAft>
+                          <a:spcPts val="0"/>
+                        </a:spcAft>
+                      </a:pPr>
+                      <a:r>
+                        <a:rPr lang="pt-BR" sz="1800" dirty="0">
+                          <a:latin typeface="+mn-lt"/>
+                          <a:ea typeface="Calibri"/>
+                        </a:rPr>
+                        <a:t>7</a:t>
+                      </a:r>
+                    </a:p>
+                  </a:txBody>
+                  <a:tcPr marL="68580" marR="68580" marT="0" marB="0" anchor="ctr"/>
+                </a:tc>
+                <a:tc>
+                  <a:txBody>
+                    <a:bodyPr/>
+                    <a:lstStyle/>
+                    <a:p>
+                      <a:pPr algn="ctr">
+                        <a:lnSpc>
+                          <a:spcPct val="115000"/>
+                        </a:lnSpc>
+                        <a:spcAft>
+                          <a:spcPts val="0"/>
+                        </a:spcAft>
+                      </a:pPr>
+                      <a:r>
+                        <a:rPr lang="pt-BR" sz="1800" dirty="0">
+                          <a:latin typeface="+mn-lt"/>
+                          <a:ea typeface="Calibri"/>
+                        </a:rPr>
+                        <a:t>8</a:t>
+                      </a:r>
+                    </a:p>
+                  </a:txBody>
+                  <a:tcPr marL="68580" marR="68580" marT="0" marB="0" anchor="ctr"/>
+                </a:tc>
+                <a:tc>
+                  <a:txBody>
+                    <a:bodyPr/>
+                    <a:lstStyle/>
+                    <a:p>
+                      <a:pPr algn="ctr">
+                        <a:lnSpc>
+                          <a:spcPct val="115000"/>
+                        </a:lnSpc>
+                        <a:spcAft>
+                          <a:spcPts val="0"/>
+                        </a:spcAft>
+                      </a:pPr>
+                      <a:r>
+                        <a:rPr lang="pt-BR" sz="1800" dirty="0">
+                          <a:latin typeface="+mn-lt"/>
+                          <a:ea typeface="Calibri"/>
+                        </a:rPr>
+                        <a:t>7</a:t>
+                      </a:r>
+                    </a:p>
+                  </a:txBody>
+                  <a:tcPr marL="68580" marR="68580" marT="0" marB="0" anchor="ctr"/>
+                </a:tc>
+              </a:tr>
+              <a:tr h="807528">
+                <a:tc>
+                  <a:txBody>
+                    <a:bodyPr/>
+                    <a:lstStyle/>
+                    <a:p>
+                      <a:pPr marL="0" marR="0" indent="0" algn="ctr" defTabSz="914400" rtl="0" eaLnBrk="1" fontAlgn="auto" latinLnBrk="0" hangingPunct="1">
+                        <a:lnSpc>
+                          <a:spcPct val="100000"/>
+                        </a:lnSpc>
+                        <a:spcBef>
+                          <a:spcPts val="0"/>
+                        </a:spcBef>
+                        <a:spcAft>
+                          <a:spcPts val="0"/>
+                        </a:spcAft>
+                        <a:buClrTx/>
+                        <a:buSzTx/>
+                        <a:buFontTx/>
+                        <a:buNone/>
+                        <a:tabLst/>
+                        <a:defRPr/>
+                      </a:pPr>
+                      <a:r>
+                        <a:rPr lang="pt-BR" b="1" dirty="0" smtClean="0">
+                          <a:solidFill>
+                            <a:schemeClr val="bg1"/>
+                          </a:solidFill>
+                        </a:rPr>
+                        <a:t>Vértice Inicial</a:t>
+                      </a:r>
+                    </a:p>
+                  </a:txBody>
+                  <a:tcPr anchor="ctr">
+                    <a:solidFill>
+                      <a:schemeClr val="accent1"/>
+                    </a:solidFill>
+                  </a:tcPr>
+                </a:tc>
+                <a:tc>
+                  <a:txBody>
+                    <a:bodyPr/>
+                    <a:lstStyle/>
+                    <a:p>
+                      <a:pPr algn="ctr"/>
+                      <a:r>
+                        <a:rPr lang="pt-BR" b="1" dirty="0" smtClean="0">
+                          <a:solidFill>
+                            <a:schemeClr val="bg1"/>
+                          </a:solidFill>
+                        </a:rPr>
+                        <a:t>110</a:t>
+                      </a:r>
+                      <a:endParaRPr lang="pt-BR" b="1" dirty="0">
+                        <a:solidFill>
+                          <a:schemeClr val="bg1"/>
+                        </a:solidFill>
+                      </a:endParaRPr>
+                    </a:p>
+                  </a:txBody>
+                  <a:tcPr anchor="ctr">
+                    <a:solidFill>
+                      <a:schemeClr val="accent1"/>
+                    </a:solidFill>
+                  </a:tcPr>
+                </a:tc>
+                <a:tc>
+                  <a:txBody>
+                    <a:bodyPr/>
+                    <a:lstStyle/>
+                    <a:p>
+                      <a:pPr algn="ctr"/>
+                      <a:r>
+                        <a:rPr lang="pt-BR" b="1" dirty="0" smtClean="0">
+                          <a:solidFill>
+                            <a:schemeClr val="bg1"/>
+                          </a:solidFill>
+                        </a:rPr>
+                        <a:t>120</a:t>
+                      </a:r>
+                      <a:endParaRPr lang="pt-BR" b="1" dirty="0">
+                        <a:solidFill>
+                          <a:schemeClr val="bg1"/>
+                        </a:solidFill>
+                      </a:endParaRPr>
+                    </a:p>
+                  </a:txBody>
+                  <a:tcPr anchor="ctr">
+                    <a:solidFill>
+                      <a:schemeClr val="accent1"/>
+                    </a:solidFill>
+                  </a:tcPr>
+                </a:tc>
+                <a:tc>
+                  <a:txBody>
+                    <a:bodyPr/>
+                    <a:lstStyle/>
+                    <a:p>
+                      <a:pPr algn="ctr"/>
+                      <a:r>
+                        <a:rPr lang="pt-BR" b="1" dirty="0" smtClean="0">
+                          <a:solidFill>
+                            <a:schemeClr val="bg1"/>
+                          </a:solidFill>
+                        </a:rPr>
+                        <a:t>130</a:t>
+                      </a:r>
+                      <a:endParaRPr lang="pt-BR" b="1" dirty="0">
+                        <a:solidFill>
+                          <a:schemeClr val="bg1"/>
+                        </a:solidFill>
+                      </a:endParaRPr>
+                    </a:p>
+                  </a:txBody>
+                  <a:tcPr anchor="ctr">
+                    <a:solidFill>
+                      <a:schemeClr val="accent1"/>
+                    </a:solidFill>
+                  </a:tcPr>
+                </a:tc>
+                <a:tc>
+                  <a:txBody>
+                    <a:bodyPr/>
+                    <a:lstStyle/>
+                    <a:p>
+                      <a:pPr algn="ctr"/>
+                      <a:r>
+                        <a:rPr lang="pt-BR" b="1" dirty="0" smtClean="0">
+                          <a:solidFill>
+                            <a:schemeClr val="bg1"/>
+                          </a:solidFill>
+                        </a:rPr>
+                        <a:t>140</a:t>
+                      </a:r>
+                      <a:endParaRPr lang="pt-BR" b="1" dirty="0">
+                        <a:solidFill>
+                          <a:schemeClr val="bg1"/>
+                        </a:solidFill>
+                      </a:endParaRPr>
+                    </a:p>
+                  </a:txBody>
+                  <a:tcPr anchor="ctr">
+                    <a:solidFill>
+                      <a:schemeClr val="accent1"/>
+                    </a:solidFill>
+                  </a:tcPr>
+                </a:tc>
+                <a:tc>
+                  <a:txBody>
+                    <a:bodyPr/>
+                    <a:lstStyle/>
+                    <a:p>
+                      <a:pPr algn="ctr"/>
+                      <a:r>
+                        <a:rPr lang="pt-BR" b="1" dirty="0" smtClean="0">
+                          <a:solidFill>
+                            <a:schemeClr val="bg1"/>
+                          </a:solidFill>
+                        </a:rPr>
+                        <a:t>150</a:t>
+                      </a:r>
+                      <a:endParaRPr lang="pt-BR" b="1" dirty="0">
+                        <a:solidFill>
+                          <a:schemeClr val="bg1"/>
+                        </a:solidFill>
+                      </a:endParaRPr>
+                    </a:p>
+                  </a:txBody>
+                  <a:tcPr anchor="ctr">
+                    <a:solidFill>
+                      <a:schemeClr val="accent1"/>
+                    </a:solidFill>
+                  </a:tcPr>
+                </a:tc>
+                <a:tc>
+                  <a:txBody>
+                    <a:bodyPr/>
+                    <a:lstStyle/>
+                    <a:p>
+                      <a:pPr algn="ctr"/>
+                      <a:r>
+                        <a:rPr lang="pt-BR" b="1" dirty="0" smtClean="0">
+                          <a:solidFill>
+                            <a:schemeClr val="bg1"/>
+                          </a:solidFill>
+                        </a:rPr>
+                        <a:t>160</a:t>
+                      </a:r>
+                      <a:endParaRPr lang="pt-BR" b="1" dirty="0">
+                        <a:solidFill>
+                          <a:schemeClr val="bg1"/>
+                        </a:solidFill>
+                      </a:endParaRPr>
+                    </a:p>
+                  </a:txBody>
+                  <a:tcPr anchor="ctr">
+                    <a:solidFill>
+                      <a:schemeClr val="accent1"/>
+                    </a:solidFill>
+                  </a:tcPr>
+                </a:tc>
+                <a:tc>
+                  <a:txBody>
+                    <a:bodyPr/>
+                    <a:lstStyle/>
+                    <a:p>
+                      <a:pPr algn="ctr"/>
+                      <a:r>
+                        <a:rPr lang="pt-BR" b="1" dirty="0" smtClean="0">
+                          <a:solidFill>
+                            <a:schemeClr val="bg1"/>
+                          </a:solidFill>
+                        </a:rPr>
+                        <a:t>170</a:t>
+                      </a:r>
+                      <a:endParaRPr lang="pt-BR" b="1" dirty="0">
+                        <a:solidFill>
+                          <a:schemeClr val="bg1"/>
+                        </a:solidFill>
+                      </a:endParaRPr>
+                    </a:p>
+                  </a:txBody>
+                  <a:tcPr anchor="ctr">
+                    <a:solidFill>
+                      <a:schemeClr val="accent1"/>
+                    </a:solidFill>
+                  </a:tcPr>
+                </a:tc>
+                <a:tc>
+                  <a:txBody>
+                    <a:bodyPr/>
+                    <a:lstStyle/>
+                    <a:p>
+                      <a:pPr algn="ctr"/>
+                      <a:r>
+                        <a:rPr lang="pt-BR" b="1" dirty="0" smtClean="0">
+                          <a:solidFill>
+                            <a:schemeClr val="bg1"/>
+                          </a:solidFill>
+                        </a:rPr>
+                        <a:t>180</a:t>
+                      </a:r>
+                      <a:endParaRPr lang="pt-BR" b="1" dirty="0">
+                        <a:solidFill>
+                          <a:schemeClr val="bg1"/>
+                        </a:solidFill>
+                      </a:endParaRPr>
+                    </a:p>
+                  </a:txBody>
+                  <a:tcPr anchor="ctr">
+                    <a:solidFill>
+                      <a:schemeClr val="accent1"/>
+                    </a:solidFill>
+                  </a:tcPr>
+                </a:tc>
+                <a:tc>
+                  <a:txBody>
+                    <a:bodyPr/>
+                    <a:lstStyle/>
+                    <a:p>
+                      <a:pPr algn="ctr"/>
+                      <a:r>
+                        <a:rPr lang="pt-BR" b="1" dirty="0" smtClean="0">
+                          <a:solidFill>
+                            <a:schemeClr val="bg1"/>
+                          </a:solidFill>
+                        </a:rPr>
+                        <a:t>190</a:t>
+                      </a:r>
+                      <a:endParaRPr lang="pt-BR" b="1" dirty="0">
+                        <a:solidFill>
+                          <a:schemeClr val="bg1"/>
+                        </a:solidFill>
+                      </a:endParaRPr>
+                    </a:p>
+                  </a:txBody>
+                  <a:tcPr anchor="ctr">
+                    <a:solidFill>
+                      <a:schemeClr val="accent1"/>
+                    </a:solidFill>
+                  </a:tcPr>
+                </a:tc>
+                <a:tc>
+                  <a:txBody>
+                    <a:bodyPr/>
+                    <a:lstStyle/>
+                    <a:p>
+                      <a:pPr algn="ctr">
+                        <a:lnSpc>
+                          <a:spcPct val="115000"/>
+                        </a:lnSpc>
+                        <a:spcAft>
+                          <a:spcPts val="0"/>
+                        </a:spcAft>
+                      </a:pPr>
+                      <a:endParaRPr lang="pt-BR" sz="1800" b="1" dirty="0">
+                        <a:solidFill>
+                          <a:schemeClr val="bg1"/>
+                        </a:solidFill>
+                        <a:latin typeface="+mn-lt"/>
+                        <a:ea typeface="Calibri"/>
+                      </a:endParaRPr>
+                    </a:p>
+                  </a:txBody>
+                  <a:tcPr marL="68580" marR="68580" marT="0" marB="0" anchor="ctr">
+                    <a:solidFill>
+                      <a:schemeClr val="accent1"/>
+                    </a:solidFill>
+                  </a:tcPr>
+                </a:tc>
+                <a:tc>
+                  <a:txBody>
+                    <a:bodyPr/>
+                    <a:lstStyle/>
+                    <a:p>
+                      <a:pPr algn="ctr">
+                        <a:lnSpc>
+                          <a:spcPct val="115000"/>
+                        </a:lnSpc>
+                        <a:spcAft>
+                          <a:spcPts val="0"/>
+                        </a:spcAft>
+                      </a:pPr>
+                      <a:endParaRPr lang="pt-BR" sz="1800" b="1" dirty="0">
+                        <a:solidFill>
+                          <a:schemeClr val="bg1"/>
+                        </a:solidFill>
+                        <a:latin typeface="+mn-lt"/>
+                        <a:ea typeface="Calibri"/>
+                      </a:endParaRPr>
+                    </a:p>
+                  </a:txBody>
+                  <a:tcPr marL="68580" marR="68580" marT="0" marB="0" anchor="ctr">
+                    <a:solidFill>
+                      <a:schemeClr val="accent1"/>
+                    </a:solidFill>
+                  </a:tcPr>
+                </a:tc>
+              </a:tr>
+              <a:tr h="807528">
+                <a:tc>
+                  <a:txBody>
+                    <a:bodyPr/>
+                    <a:lstStyle/>
+                    <a:p>
+                      <a:pPr marL="0" marR="0" indent="0" algn="ctr" defTabSz="914400" rtl="0" eaLnBrk="1" fontAlgn="auto" latinLnBrk="0" hangingPunct="1">
+                        <a:lnSpc>
+                          <a:spcPct val="100000"/>
+                        </a:lnSpc>
+                        <a:spcBef>
+                          <a:spcPts val="0"/>
+                        </a:spcBef>
+                        <a:spcAft>
+                          <a:spcPts val="0"/>
+                        </a:spcAft>
+                        <a:buClrTx/>
+                        <a:buSzTx/>
+                        <a:buFontTx/>
+                        <a:buNone/>
+                        <a:tabLst/>
+                        <a:defRPr/>
+                      </a:pPr>
+                      <a:r>
+                        <a:rPr lang="pt-BR" dirty="0" smtClean="0"/>
+                        <a:t>Tamanho da árvore</a:t>
+                      </a:r>
+                    </a:p>
+                  </a:txBody>
+                  <a:tcPr anchor="ctr"/>
+                </a:tc>
+                <a:tc>
+                  <a:txBody>
+                    <a:bodyPr/>
+                    <a:lstStyle/>
+                    <a:p>
+                      <a:pPr algn="ctr">
+                        <a:lnSpc>
+                          <a:spcPct val="115000"/>
+                        </a:lnSpc>
+                        <a:spcAft>
+                          <a:spcPts val="0"/>
+                        </a:spcAft>
+                      </a:pPr>
+                      <a:r>
+                        <a:rPr lang="pt-BR" sz="1800" dirty="0">
+                          <a:latin typeface="+mn-lt"/>
+                          <a:ea typeface="Calibri"/>
+                        </a:rPr>
+                        <a:t>7</a:t>
+                      </a:r>
+                    </a:p>
+                  </a:txBody>
+                  <a:tcPr marL="68580" marR="68580" marT="0" marB="0" anchor="ctr"/>
+                </a:tc>
+                <a:tc>
+                  <a:txBody>
+                    <a:bodyPr/>
+                    <a:lstStyle/>
+                    <a:p>
+                      <a:pPr algn="ctr">
+                        <a:lnSpc>
+                          <a:spcPct val="115000"/>
+                        </a:lnSpc>
+                        <a:spcAft>
+                          <a:spcPts val="0"/>
+                        </a:spcAft>
+                      </a:pPr>
+                      <a:r>
+                        <a:rPr lang="pt-BR" sz="1800" dirty="0">
+                          <a:latin typeface="+mn-lt"/>
+                          <a:ea typeface="Calibri"/>
+                        </a:rPr>
+                        <a:t>7</a:t>
+                      </a:r>
+                    </a:p>
+                  </a:txBody>
+                  <a:tcPr marL="68580" marR="68580" marT="0" marB="0" anchor="ctr"/>
+                </a:tc>
+                <a:tc>
+                  <a:txBody>
+                    <a:bodyPr/>
+                    <a:lstStyle/>
+                    <a:p>
+                      <a:pPr algn="ctr">
+                        <a:lnSpc>
+                          <a:spcPct val="115000"/>
+                        </a:lnSpc>
+                        <a:spcAft>
+                          <a:spcPts val="0"/>
+                        </a:spcAft>
+                      </a:pPr>
+                      <a:r>
+                        <a:rPr lang="pt-BR" sz="1800" dirty="0">
+                          <a:latin typeface="+mn-lt"/>
+                          <a:ea typeface="Calibri"/>
+                        </a:rPr>
+                        <a:t>7</a:t>
+                      </a:r>
+                    </a:p>
+                  </a:txBody>
+                  <a:tcPr marL="68580" marR="68580" marT="0" marB="0" anchor="ctr"/>
+                </a:tc>
+                <a:tc>
+                  <a:txBody>
+                    <a:bodyPr/>
+                    <a:lstStyle/>
+                    <a:p>
+                      <a:pPr algn="ctr">
+                        <a:lnSpc>
+                          <a:spcPct val="115000"/>
+                        </a:lnSpc>
+                        <a:spcAft>
+                          <a:spcPts val="0"/>
+                        </a:spcAft>
+                      </a:pPr>
+                      <a:r>
+                        <a:rPr lang="pt-BR" sz="1800" dirty="0">
+                          <a:latin typeface="+mn-lt"/>
+                          <a:ea typeface="Calibri"/>
+                        </a:rPr>
+                        <a:t>8</a:t>
+                      </a:r>
+                    </a:p>
+                  </a:txBody>
+                  <a:tcPr marL="68580" marR="68580" marT="0" marB="0" anchor="ctr"/>
+                </a:tc>
+                <a:tc>
+                  <a:txBody>
+                    <a:bodyPr/>
+                    <a:lstStyle/>
+                    <a:p>
+                      <a:pPr algn="ctr">
+                        <a:lnSpc>
+                          <a:spcPct val="115000"/>
+                        </a:lnSpc>
+                        <a:spcAft>
+                          <a:spcPts val="0"/>
+                        </a:spcAft>
+                      </a:pPr>
+                      <a:r>
+                        <a:rPr lang="pt-BR" sz="1800" dirty="0">
+                          <a:latin typeface="+mn-lt"/>
+                          <a:ea typeface="Calibri"/>
+                        </a:rPr>
+                        <a:t>7</a:t>
+                      </a:r>
+                    </a:p>
+                  </a:txBody>
+                  <a:tcPr marL="68580" marR="68580" marT="0" marB="0" anchor="ctr"/>
+                </a:tc>
+                <a:tc>
+                  <a:txBody>
+                    <a:bodyPr/>
+                    <a:lstStyle/>
+                    <a:p>
+                      <a:pPr algn="ctr">
+                        <a:lnSpc>
+                          <a:spcPct val="115000"/>
+                        </a:lnSpc>
+                        <a:spcAft>
+                          <a:spcPts val="0"/>
+                        </a:spcAft>
+                      </a:pPr>
+                      <a:r>
+                        <a:rPr lang="pt-BR" sz="1800" dirty="0">
+                          <a:latin typeface="+mn-lt"/>
+                          <a:ea typeface="Calibri"/>
+                        </a:rPr>
+                        <a:t>8</a:t>
+                      </a:r>
+                    </a:p>
+                  </a:txBody>
+                  <a:tcPr marL="68580" marR="68580" marT="0" marB="0" anchor="ctr"/>
+                </a:tc>
+                <a:tc>
+                  <a:txBody>
+                    <a:bodyPr/>
+                    <a:lstStyle/>
+                    <a:p>
+                      <a:pPr algn="ctr">
+                        <a:lnSpc>
+                          <a:spcPct val="115000"/>
+                        </a:lnSpc>
+                        <a:spcAft>
+                          <a:spcPts val="0"/>
+                        </a:spcAft>
+                      </a:pPr>
+                      <a:r>
+                        <a:rPr lang="pt-BR" sz="1800" dirty="0">
+                          <a:latin typeface="+mn-lt"/>
+                          <a:ea typeface="Calibri"/>
+                        </a:rPr>
+                        <a:t>7</a:t>
+                      </a:r>
+                    </a:p>
+                  </a:txBody>
+                  <a:tcPr marL="68580" marR="68580" marT="0" marB="0" anchor="ctr"/>
+                </a:tc>
+                <a:tc>
+                  <a:txBody>
+                    <a:bodyPr/>
+                    <a:lstStyle/>
+                    <a:p>
+                      <a:pPr algn="ctr">
+                        <a:lnSpc>
+                          <a:spcPct val="115000"/>
+                        </a:lnSpc>
+                        <a:spcAft>
+                          <a:spcPts val="0"/>
+                        </a:spcAft>
+                      </a:pPr>
+                      <a:r>
+                        <a:rPr lang="pt-BR" sz="1800" dirty="0">
+                          <a:latin typeface="+mn-lt"/>
+                          <a:ea typeface="Calibri"/>
+                        </a:rPr>
+                        <a:t>7</a:t>
+                      </a:r>
+                    </a:p>
+                  </a:txBody>
+                  <a:tcPr marL="68580" marR="68580" marT="0" marB="0" anchor="ctr"/>
+                </a:tc>
+                <a:tc>
+                  <a:txBody>
+                    <a:bodyPr/>
+                    <a:lstStyle/>
+                    <a:p>
+                      <a:pPr algn="ctr">
+                        <a:lnSpc>
+                          <a:spcPct val="115000"/>
+                        </a:lnSpc>
+                        <a:spcAft>
+                          <a:spcPts val="0"/>
+                        </a:spcAft>
+                      </a:pPr>
+                      <a:r>
+                        <a:rPr lang="pt-BR" sz="1800" dirty="0">
+                          <a:latin typeface="+mn-lt"/>
+                          <a:ea typeface="Calibri"/>
+                        </a:rPr>
+                        <a:t>8</a:t>
+                      </a:r>
+                    </a:p>
+                  </a:txBody>
+                  <a:tcPr marL="68580" marR="68580" marT="0" marB="0" anchor="ctr"/>
+                </a:tc>
+                <a:tc>
+                  <a:txBody>
+                    <a:bodyPr/>
+                    <a:lstStyle/>
+                    <a:p>
+                      <a:pPr algn="ctr">
+                        <a:lnSpc>
+                          <a:spcPct val="115000"/>
+                        </a:lnSpc>
+                        <a:spcAft>
+                          <a:spcPts val="0"/>
+                        </a:spcAft>
+                      </a:pPr>
+                      <a:endParaRPr lang="pt-BR" sz="1800" dirty="0">
+                        <a:latin typeface="+mn-lt"/>
+                        <a:ea typeface="Calibri"/>
+                      </a:endParaRPr>
+                    </a:p>
+                  </a:txBody>
+                  <a:tcPr marL="68580" marR="68580" marT="0" marB="0" anchor="ctr"/>
+                </a:tc>
+                <a:tc>
+                  <a:txBody>
+                    <a:bodyPr/>
+                    <a:lstStyle/>
+                    <a:p>
+                      <a:pPr algn="ctr">
+                        <a:lnSpc>
+                          <a:spcPct val="115000"/>
+                        </a:lnSpc>
+                        <a:spcAft>
+                          <a:spcPts val="0"/>
+                        </a:spcAft>
+                      </a:pPr>
+                      <a:endParaRPr lang="pt-BR" sz="1800" dirty="0">
+                        <a:latin typeface="+mn-lt"/>
+                        <a:ea typeface="Calibri"/>
+                      </a:endParaRPr>
+                    </a:p>
+                  </a:txBody>
+                  <a:tcPr marL="68580" marR="68580" marT="0" marB="0" anchor="ctr"/>
+                </a:tc>
+              </a:tr>
+            </a:tbl>
+          </a:graphicData>
+        </a:graphic>
+      </p:graphicFrame>
+    </p:spTree>
+  </p:cSld>
+  <p:clrMapOvr>
+    <a:masterClrMapping/>
+  </p:clrMapOvr>
+</p:sld>
+</file>
+
+<file path=ppt/slides/slide18.xml><?xml version="1.0" encoding="utf-8"?>
+<p:sld xmlns:a="http://schemas.openxmlformats.org/drawingml/2006/main" xmlns:r="http://schemas.openxmlformats.org/officeDocument/2006/relationships" xmlns:p="http://schemas.openxmlformats.org/presentationml/2006/main">
+  <p:cSld>
+    <p:spTree>
+      <p:nvGrpSpPr>
+        <p:cNvPr id="1" name=""/>
+        <p:cNvGrpSpPr/>
+        <p:nvPr/>
+      </p:nvGrpSpPr>
+      <p:grpSpPr>
+        <a:xfrm>
+          <a:off x="0" y="0"/>
+          <a:ext cx="0" cy="0"/>
+          <a:chOff x="0" y="0"/>
+          <a:chExt cx="0" cy="0"/>
+        </a:xfrm>
+      </p:grpSpPr>
+      <p:sp>
+        <p:nvSpPr>
+          <p:cNvPr id="2" name="Título 1"/>
+          <p:cNvSpPr>
+            <a:spLocks noGrp="1"/>
+          </p:cNvSpPr>
+          <p:nvPr>
+            <p:ph type="title"/>
+          </p:nvPr>
+        </p:nvSpPr>
+        <p:spPr/>
+        <p:txBody>
+          <a:bodyPr/>
+          <a:lstStyle/>
+          <a:p>
+            <a:r>
+              <a:rPr lang="pt-BR" dirty="0" smtClean="0"/>
+              <a:t>Resultados – Grafo da Internet</a:t>
+            </a:r>
+            <a:endParaRPr lang="pt-BR" dirty="0"/>
+          </a:p>
+        </p:txBody>
+      </p:sp>
+      <p:sp>
+        <p:nvSpPr>
+          <p:cNvPr id="3" name="Espaço Reservado para Conteúdo 2"/>
+          <p:cNvSpPr>
+            <a:spLocks noGrp="1"/>
+          </p:cNvSpPr>
+          <p:nvPr>
+            <p:ph idx="1"/>
+          </p:nvPr>
+        </p:nvSpPr>
+        <p:spPr/>
+        <p:txBody>
+          <a:bodyPr anchor="ctr"/>
+          <a:lstStyle/>
+          <a:p>
+            <a:r>
+              <a:rPr lang="pt-BR" dirty="0" smtClean="0"/>
+              <a:t>Diâmetro da Internet: 10</a:t>
+            </a:r>
+            <a:endParaRPr lang="pt-BR" dirty="0"/>
+          </a:p>
+        </p:txBody>
+      </p:sp>
+    </p:spTree>
+  </p:cSld>
+  <p:clrMapOvr>
+    <a:masterClrMapping/>
+  </p:clrMapOvr>
+</p:sld>
+</file>
+
+<file path=ppt/slides/slide19.xml><?xml version="1.0" encoding="utf-8"?>
+<p:sld xmlns:a="http://schemas.openxmlformats.org/drawingml/2006/main" xmlns:r="http://schemas.openxmlformats.org/officeDocument/2006/relationships" xmlns:p="http://schemas.openxmlformats.org/presentationml/2006/main">
+  <p:cSld>
+    <p:spTree>
+      <p:nvGrpSpPr>
+        <p:cNvPr id="1" name=""/>
+        <p:cNvGrpSpPr/>
+        <p:nvPr/>
+      </p:nvGrpSpPr>
+      <p:grpSpPr>
+        <a:xfrm>
+          <a:off x="0" y="0"/>
+          <a:ext cx="0" cy="0"/>
+          <a:chOff x="0" y="0"/>
+          <a:chExt cx="0" cy="0"/>
+        </a:xfrm>
+      </p:grpSpPr>
+      <p:sp>
+        <p:nvSpPr>
+          <p:cNvPr id="4" name="Título 3"/>
+          <p:cNvSpPr>
+            <a:spLocks noGrp="1"/>
+          </p:cNvSpPr>
+          <p:nvPr>
+            <p:ph type="ctrTitle"/>
+          </p:nvPr>
+        </p:nvSpPr>
+        <p:spPr/>
+        <p:txBody>
+          <a:bodyPr/>
+          <a:lstStyle/>
+          <a:p>
+            <a:r>
+              <a:rPr lang="pt-BR" dirty="0" smtClean="0"/>
+              <a:t>Obrigado!</a:t>
+            </a:r>
+            <a:endParaRPr lang="pt-BR" dirty="0"/>
+          </a:p>
+        </p:txBody>
+      </p:sp>
+      <p:sp>
+        <p:nvSpPr>
+          <p:cNvPr id="5" name="Subtítulo 4"/>
+          <p:cNvSpPr>
+            <a:spLocks noGrp="1"/>
+          </p:cNvSpPr>
+          <p:nvPr>
+            <p:ph type="subTitle" idx="1"/>
+          </p:nvPr>
+        </p:nvSpPr>
+        <p:spPr/>
+        <p:txBody>
+          <a:bodyPr/>
+          <a:lstStyle/>
+          <a:p>
             <a:endParaRPr lang="pt-BR" dirty="0"/>
           </a:p>
         </p:txBody>
@@ -4055,7 +6383,12 @@
             <p:ph type="title"/>
           </p:nvPr>
         </p:nvSpPr>
-        <p:spPr/>
+        <p:spPr>
+          <a:xfrm>
+            <a:off x="530352" y="2060848"/>
+            <a:ext cx="7772400" cy="1362456"/>
+          </a:xfrm>
+        </p:spPr>
         <p:txBody>
           <a:bodyPr/>
           <a:lstStyle/>
@@ -4070,42 +6403,23 @@
       </p:sp>
       <p:sp>
         <p:nvSpPr>
-          <p:cNvPr id="3" name="Espaço Reservado para Conteúdo 2"/>
-          <p:cNvSpPr>
-            <a:spLocks noGrp="1"/>
-          </p:cNvSpPr>
-          <p:nvPr>
-            <p:ph idx="1"/>
-          </p:nvPr>
-        </p:nvSpPr>
-        <p:spPr/>
-        <p:txBody>
-          <a:bodyPr anchor="ctr"/>
-          <a:lstStyle/>
-          <a:p>
-            <a:pPr marL="0" indent="0" algn="just">
-              <a:lnSpc>
-                <a:spcPct val="200000"/>
-              </a:lnSpc>
-              <a:buNone/>
-            </a:pPr>
-            <a:r>
-              <a:rPr lang="pt-BR" dirty="0" smtClean="0"/>
-              <a:t>Foi desenvolvida </a:t>
-            </a:r>
-            <a:r>
-              <a:rPr lang="pt-BR" dirty="0" smtClean="0"/>
-              <a:t>uma biblioteca para manipular grafos, </a:t>
-            </a:r>
-            <a:r>
-              <a:rPr lang="pt-BR" dirty="0" smtClean="0"/>
-              <a:t>que seja </a:t>
-            </a:r>
-            <a:r>
-              <a:rPr lang="pt-BR" dirty="0" smtClean="0"/>
-              <a:t>capaz de representá-los, assim como desenvolver um conjunto de algoritmos em grafos. A biblioteca foi desenvolvida de forma que possa ser utilizada por outros programas.</a:t>
-            </a:r>
-          </a:p>
+          <p:cNvPr id="3" name="Espaço Reservado para Texto 2"/>
+          <p:cNvSpPr>
+            <a:spLocks noGrp="1"/>
+          </p:cNvSpPr>
+          <p:nvPr>
+            <p:ph type="body" idx="1"/>
+          </p:nvPr>
+        </p:nvSpPr>
+        <p:spPr>
+          <a:xfrm>
+            <a:off x="530352" y="3448776"/>
+            <a:ext cx="7772400" cy="1509712"/>
+          </a:xfrm>
+        </p:spPr>
+        <p:txBody>
+          <a:bodyPr/>
+          <a:lstStyle/>
           <a:p>
             <a:endParaRPr lang="pt-BR" dirty="0"/>
           </a:p>
@@ -4153,7 +6467,7 @@
           <a:p>
             <a:r>
               <a:rPr lang="pt-BR" dirty="0" smtClean="0"/>
-              <a:t>Implementação</a:t>
+              <a:t>Introdução</a:t>
             </a:r>
             <a:endParaRPr lang="pt-BR" dirty="0"/>
           </a:p>
@@ -4174,111 +6488,19 @@
           <a:bodyPr anchor="ctr"/>
           <a:lstStyle/>
           <a:p>
-            <a:pPr>
+            <a:pPr marL="0" indent="0" algn="just">
               <a:lnSpc>
                 <a:spcPct val="200000"/>
               </a:lnSpc>
+              <a:buNone/>
             </a:pPr>
             <a:r>
               <a:rPr lang="pt-BR" dirty="0" smtClean="0"/>
-              <a:t>Linguagem utilizada: C++</a:t>
-            </a:r>
-            <a:endParaRPr lang="pt-BR" dirty="0" smtClean="0"/>
-          </a:p>
-          <a:p>
-            <a:pPr>
-              <a:lnSpc>
-                <a:spcPct val="200000"/>
-              </a:lnSpc>
-            </a:pPr>
-            <a:r>
-              <a:rPr lang="pt-BR" dirty="0" smtClean="0"/>
-              <a:t>Orientação a objeto</a:t>
-            </a:r>
-          </a:p>
-          <a:p>
-            <a:pPr>
-              <a:lnSpc>
-                <a:spcPct val="200000"/>
-              </a:lnSpc>
-            </a:pPr>
-            <a:r>
-              <a:rPr lang="pt-BR" dirty="0" smtClean="0"/>
-              <a:t>Classe </a:t>
-            </a:r>
-            <a:r>
-              <a:rPr lang="pt-BR" dirty="0" err="1" smtClean="0">
-                <a:latin typeface="Courier New" pitchFamily="49" charset="0"/>
-                <a:cs typeface="Courier New" pitchFamily="49" charset="0"/>
-              </a:rPr>
-              <a:t>Graph</a:t>
-            </a:r>
-            <a:r>
-              <a:rPr lang="pt-BR" dirty="0" smtClean="0">
-                <a:cs typeface="Courier New" pitchFamily="49" charset="0"/>
-              </a:rPr>
-              <a:t> descreve o grafo</a:t>
-            </a:r>
-          </a:p>
-          <a:p>
-            <a:pPr lvl="1">
-              <a:lnSpc>
-                <a:spcPct val="200000"/>
-              </a:lnSpc>
-            </a:pPr>
-            <a:r>
-              <a:rPr lang="pt-BR" dirty="0" smtClean="0">
-                <a:cs typeface="Courier New" pitchFamily="49" charset="0"/>
-              </a:rPr>
-              <a:t>Classe </a:t>
-            </a:r>
-            <a:r>
-              <a:rPr lang="pt-BR" dirty="0" err="1" smtClean="0">
-                <a:latin typeface="Courier New" pitchFamily="49" charset="0"/>
-                <a:cs typeface="Courier New" pitchFamily="49" charset="0"/>
-              </a:rPr>
-              <a:t>Edge</a:t>
-            </a:r>
-            <a:r>
-              <a:rPr lang="pt-BR" dirty="0" smtClean="0">
-                <a:cs typeface="Courier New" pitchFamily="49" charset="0"/>
-              </a:rPr>
-              <a:t> - arestas</a:t>
-            </a:r>
-            <a:endParaRPr lang="pt-BR" dirty="0" smtClean="0">
-              <a:latin typeface="Courier New" pitchFamily="49" charset="0"/>
-              <a:cs typeface="Courier New" pitchFamily="49" charset="0"/>
-            </a:endParaRPr>
-          </a:p>
-          <a:p>
-            <a:pPr lvl="1">
-              <a:lnSpc>
-                <a:spcPct val="200000"/>
-              </a:lnSpc>
-            </a:pPr>
-            <a:r>
-              <a:rPr lang="pt-BR" dirty="0" smtClean="0">
-                <a:cs typeface="Courier New" pitchFamily="49" charset="0"/>
-              </a:rPr>
-              <a:t>Classe </a:t>
-            </a:r>
-            <a:r>
-              <a:rPr lang="pt-BR" dirty="0" err="1" smtClean="0">
-                <a:latin typeface="Courier New" pitchFamily="49" charset="0"/>
-                <a:cs typeface="Courier New" pitchFamily="49" charset="0"/>
-              </a:rPr>
-              <a:t>Node</a:t>
-            </a:r>
-            <a:r>
-              <a:rPr lang="pt-BR" dirty="0" smtClean="0">
-                <a:cs typeface="Courier New" pitchFamily="49" charset="0"/>
-              </a:rPr>
-              <a:t> - vértices</a:t>
-            </a:r>
-            <a:endParaRPr lang="pt-BR" dirty="0" smtClean="0">
-              <a:latin typeface="Courier New" pitchFamily="49" charset="0"/>
-              <a:cs typeface="Courier New" pitchFamily="49" charset="0"/>
-            </a:endParaRPr>
+              <a:t>Foi desenvolvida uma biblioteca para manipular grafos, que seja capaz de representá-los, assim como desenvolver um conjunto de algoritmos em grafos. A biblioteca foi desenvolvida de forma que possa ser utilizada por outros programas.</a:t>
+            </a:r>
+          </a:p>
+          <a:p>
+            <a:endParaRPr lang="pt-BR" dirty="0"/>
           </a:p>
         </p:txBody>
       </p:sp>
@@ -4291,6 +6513,253 @@
 </file>
 
 <file path=ppt/slides/slide5.xml><?xml version="1.0" encoding="utf-8"?>
+<p:sld xmlns:a="http://schemas.openxmlformats.org/drawingml/2006/main" xmlns:r="http://schemas.openxmlformats.org/officeDocument/2006/relationships" xmlns:p="http://schemas.openxmlformats.org/presentationml/2006/main">
+  <p:cSld>
+    <p:spTree>
+      <p:nvGrpSpPr>
+        <p:cNvPr id="1" name=""/>
+        <p:cNvGrpSpPr/>
+        <p:nvPr/>
+      </p:nvGrpSpPr>
+      <p:grpSpPr>
+        <a:xfrm>
+          <a:off x="0" y="0"/>
+          <a:ext cx="0" cy="0"/>
+          <a:chOff x="0" y="0"/>
+          <a:chExt cx="0" cy="0"/>
+        </a:xfrm>
+      </p:grpSpPr>
+      <p:sp>
+        <p:nvSpPr>
+          <p:cNvPr id="2" name="Título 1"/>
+          <p:cNvSpPr>
+            <a:spLocks noGrp="1"/>
+          </p:cNvSpPr>
+          <p:nvPr>
+            <p:ph type="title"/>
+          </p:nvPr>
+        </p:nvSpPr>
+        <p:spPr>
+          <a:xfrm>
+            <a:off x="530352" y="2060848"/>
+            <a:ext cx="7772400" cy="1362456"/>
+          </a:xfrm>
+        </p:spPr>
+        <p:txBody>
+          <a:bodyPr/>
+          <a:lstStyle/>
+          <a:p>
+            <a:r>
+              <a:rPr lang="pt-BR" dirty="0" smtClean="0"/>
+              <a:t>Implementação</a:t>
+            </a:r>
+            <a:endParaRPr lang="pt-BR" dirty="0"/>
+          </a:p>
+        </p:txBody>
+      </p:sp>
+      <p:sp>
+        <p:nvSpPr>
+          <p:cNvPr id="3" name="Espaço Reservado para Texto 2"/>
+          <p:cNvSpPr>
+            <a:spLocks noGrp="1"/>
+          </p:cNvSpPr>
+          <p:nvPr>
+            <p:ph type="body" idx="1"/>
+          </p:nvPr>
+        </p:nvSpPr>
+        <p:spPr>
+          <a:xfrm>
+            <a:off x="530352" y="3448776"/>
+            <a:ext cx="7772400" cy="1509712"/>
+          </a:xfrm>
+        </p:spPr>
+        <p:txBody>
+          <a:bodyPr/>
+          <a:lstStyle/>
+          <a:p>
+            <a:endParaRPr lang="pt-BR" dirty="0"/>
+          </a:p>
+        </p:txBody>
+      </p:sp>
+    </p:spTree>
+  </p:cSld>
+  <p:clrMapOvr>
+    <a:masterClrMapping/>
+  </p:clrMapOvr>
+</p:sld>
+</file>
+
+<file path=ppt/slides/slide6.xml><?xml version="1.0" encoding="utf-8"?>
+<p:sld xmlns:a="http://schemas.openxmlformats.org/drawingml/2006/main" xmlns:r="http://schemas.openxmlformats.org/officeDocument/2006/relationships" xmlns:p="http://schemas.openxmlformats.org/presentationml/2006/main">
+  <p:cSld>
+    <p:spTree>
+      <p:nvGrpSpPr>
+        <p:cNvPr id="1" name=""/>
+        <p:cNvGrpSpPr/>
+        <p:nvPr/>
+      </p:nvGrpSpPr>
+      <p:grpSpPr>
+        <a:xfrm>
+          <a:off x="0" y="0"/>
+          <a:ext cx="0" cy="0"/>
+          <a:chOff x="0" y="0"/>
+          <a:chExt cx="0" cy="0"/>
+        </a:xfrm>
+      </p:grpSpPr>
+      <p:sp>
+        <p:nvSpPr>
+          <p:cNvPr id="2" name="Título 1"/>
+          <p:cNvSpPr>
+            <a:spLocks noGrp="1"/>
+          </p:cNvSpPr>
+          <p:nvPr>
+            <p:ph type="title"/>
+          </p:nvPr>
+        </p:nvSpPr>
+        <p:spPr/>
+        <p:txBody>
+          <a:bodyPr/>
+          <a:lstStyle/>
+          <a:p>
+            <a:r>
+              <a:rPr lang="pt-BR" dirty="0" smtClean="0"/>
+              <a:t>Implementação</a:t>
+            </a:r>
+            <a:endParaRPr lang="pt-BR" dirty="0"/>
+          </a:p>
+        </p:txBody>
+      </p:sp>
+      <p:sp>
+        <p:nvSpPr>
+          <p:cNvPr id="3" name="Espaço Reservado para Conteúdo 2"/>
+          <p:cNvSpPr>
+            <a:spLocks noGrp="1"/>
+          </p:cNvSpPr>
+          <p:nvPr>
+            <p:ph idx="1"/>
+          </p:nvPr>
+        </p:nvSpPr>
+        <p:spPr/>
+        <p:txBody>
+          <a:bodyPr anchor="ctr"/>
+          <a:lstStyle/>
+          <a:p>
+            <a:pPr>
+              <a:lnSpc>
+                <a:spcPct val="200000"/>
+              </a:lnSpc>
+            </a:pPr>
+            <a:r>
+              <a:rPr lang="pt-BR" dirty="0" smtClean="0"/>
+              <a:t>Linguagem utilizada: C++</a:t>
+            </a:r>
+          </a:p>
+          <a:p>
+            <a:pPr>
+              <a:lnSpc>
+                <a:spcPct val="200000"/>
+              </a:lnSpc>
+            </a:pPr>
+            <a:r>
+              <a:rPr lang="pt-BR" dirty="0" smtClean="0"/>
+              <a:t>Orientação a objeto</a:t>
+            </a:r>
+          </a:p>
+          <a:p>
+            <a:pPr>
+              <a:lnSpc>
+                <a:spcPct val="200000"/>
+              </a:lnSpc>
+            </a:pPr>
+            <a:r>
+              <a:rPr lang="pt-BR" dirty="0" smtClean="0"/>
+              <a:t>Classe </a:t>
+            </a:r>
+            <a:r>
+              <a:rPr lang="pt-BR" dirty="0" err="1" smtClean="0">
+                <a:latin typeface="Courier New" pitchFamily="49" charset="0"/>
+                <a:cs typeface="Courier New" pitchFamily="49" charset="0"/>
+              </a:rPr>
+              <a:t>Graph</a:t>
+            </a:r>
+            <a:r>
+              <a:rPr lang="pt-BR" dirty="0" smtClean="0">
+                <a:cs typeface="Courier New" pitchFamily="49" charset="0"/>
+              </a:rPr>
+              <a:t> descreve o grafo</a:t>
+            </a:r>
+          </a:p>
+          <a:p>
+            <a:pPr lvl="1">
+              <a:lnSpc>
+                <a:spcPct val="200000"/>
+              </a:lnSpc>
+            </a:pPr>
+            <a:r>
+              <a:rPr lang="pt-BR" dirty="0" smtClean="0">
+                <a:cs typeface="Courier New" pitchFamily="49" charset="0"/>
+              </a:rPr>
+              <a:t>Classe </a:t>
+            </a:r>
+            <a:r>
+              <a:rPr lang="pt-BR" dirty="0" err="1" smtClean="0">
+                <a:latin typeface="Courier New" pitchFamily="49" charset="0"/>
+                <a:cs typeface="Courier New" pitchFamily="49" charset="0"/>
+              </a:rPr>
+              <a:t>Edge</a:t>
+            </a:r>
+            <a:r>
+              <a:rPr lang="pt-BR" dirty="0" smtClean="0">
+                <a:cs typeface="Courier New" pitchFamily="49" charset="0"/>
+              </a:rPr>
+              <a:t> - arestas</a:t>
+            </a:r>
+            <a:endParaRPr lang="pt-BR" dirty="0" smtClean="0">
+              <a:latin typeface="Courier New" pitchFamily="49" charset="0"/>
+              <a:cs typeface="Courier New" pitchFamily="49" charset="0"/>
+            </a:endParaRPr>
+          </a:p>
+          <a:p>
+            <a:pPr lvl="1">
+              <a:lnSpc>
+                <a:spcPct val="200000"/>
+              </a:lnSpc>
+            </a:pPr>
+            <a:r>
+              <a:rPr lang="pt-BR" dirty="0" smtClean="0">
+                <a:cs typeface="Courier New" pitchFamily="49" charset="0"/>
+              </a:rPr>
+              <a:t>Classe </a:t>
+            </a:r>
+            <a:r>
+              <a:rPr lang="pt-BR" dirty="0" err="1" smtClean="0">
+                <a:latin typeface="Courier New" pitchFamily="49" charset="0"/>
+                <a:cs typeface="Courier New" pitchFamily="49" charset="0"/>
+              </a:rPr>
+              <a:t>Node</a:t>
+            </a:r>
+            <a:r>
+              <a:rPr lang="pt-BR" dirty="0" smtClean="0">
+                <a:cs typeface="Courier New" pitchFamily="49" charset="0"/>
+              </a:rPr>
+              <a:t> - vértices</a:t>
+            </a:r>
+            <a:endParaRPr lang="pt-BR" dirty="0" smtClean="0">
+              <a:latin typeface="Courier New" pitchFamily="49" charset="0"/>
+              <a:cs typeface="Courier New" pitchFamily="49" charset="0"/>
+            </a:endParaRPr>
+          </a:p>
+        </p:txBody>
+      </p:sp>
+    </p:spTree>
+  </p:cSld>
+  <p:clrMapOvr>
+    <a:masterClrMapping/>
+  </p:clrMapOvr>
+</p:sld>
+</file>
+
+<file path=ppt/slides/slide7.xml><?xml version="1.0" encoding="utf-8"?>
 <p:sld xmlns:a="http://schemas.openxmlformats.org/drawingml/2006/main" xmlns:r="http://schemas.openxmlformats.org/officeDocument/2006/relationships" xmlns:p="http://schemas.openxmlformats.org/presentationml/2006/main">
   <p:cSld>
     <p:spTree>
@@ -4372,317 +6841,6 @@
 </p:sld>
 </file>
 
-<file path=ppt/slides/slide6.xml><?xml version="1.0" encoding="utf-8"?>
-<p:sld xmlns:a="http://schemas.openxmlformats.org/drawingml/2006/main" xmlns:r="http://schemas.openxmlformats.org/officeDocument/2006/relationships" xmlns:p="http://schemas.openxmlformats.org/presentationml/2006/main">
-  <p:cSld>
-    <p:spTree>
-      <p:nvGrpSpPr>
-        <p:cNvPr id="1" name=""/>
-        <p:cNvGrpSpPr/>
-        <p:nvPr/>
-      </p:nvGrpSpPr>
-      <p:grpSpPr>
-        <a:xfrm>
-          <a:off x="0" y="0"/>
-          <a:ext cx="0" cy="0"/>
-          <a:chOff x="0" y="0"/>
-          <a:chExt cx="0" cy="0"/>
-        </a:xfrm>
-      </p:grpSpPr>
-      <p:sp>
-        <p:nvSpPr>
-          <p:cNvPr id="2" name="Título 1"/>
-          <p:cNvSpPr>
-            <a:spLocks noGrp="1"/>
-          </p:cNvSpPr>
-          <p:nvPr>
-            <p:ph type="title"/>
-          </p:nvPr>
-        </p:nvSpPr>
-        <p:spPr/>
-        <p:txBody>
-          <a:bodyPr/>
-          <a:lstStyle/>
-          <a:p>
-            <a:r>
-              <a:rPr lang="pt-BR" dirty="0" smtClean="0"/>
-              <a:t>Vetor x </a:t>
-            </a:r>
-            <a:r>
-              <a:rPr lang="pt-BR" dirty="0" err="1" smtClean="0"/>
-              <a:t>array</a:t>
-            </a:r>
-            <a:endParaRPr lang="pt-BR" dirty="0"/>
-          </a:p>
-        </p:txBody>
-      </p:sp>
-      <p:sp>
-        <p:nvSpPr>
-          <p:cNvPr id="3" name="Espaço Reservado para Conteúdo 2"/>
-          <p:cNvSpPr>
-            <a:spLocks noGrp="1"/>
-          </p:cNvSpPr>
-          <p:nvPr>
-            <p:ph idx="1"/>
-          </p:nvPr>
-        </p:nvSpPr>
-        <p:spPr/>
-        <p:txBody>
-          <a:bodyPr anchor="ctr"/>
-          <a:lstStyle/>
-          <a:p>
-            <a:pPr marL="0" indent="0" algn="just">
-              <a:lnSpc>
-                <a:spcPct val="200000"/>
-              </a:lnSpc>
-              <a:buNone/>
-            </a:pPr>
-            <a:r>
-              <a:rPr lang="pt-BR" dirty="0" smtClean="0"/>
-              <a:t>O uso do </a:t>
-            </a:r>
-            <a:r>
-              <a:rPr lang="pt-BR" i="1" dirty="0" smtClean="0"/>
-              <a:t>container </a:t>
-            </a:r>
-            <a:r>
-              <a:rPr lang="pt-BR" dirty="0" err="1" smtClean="0">
-                <a:latin typeface="Courier New" pitchFamily="49" charset="0"/>
-                <a:cs typeface="Courier New" pitchFamily="49" charset="0"/>
-              </a:rPr>
-              <a:t>vector</a:t>
-            </a:r>
-            <a:r>
-              <a:rPr lang="pt-BR" dirty="0" smtClean="0"/>
-              <a:t> possibilita uma alocação dinâmica de memória para o </a:t>
-            </a:r>
-            <a:r>
-              <a:rPr lang="pt-BR" i="1" dirty="0" err="1" smtClean="0"/>
-              <a:t>array</a:t>
-            </a:r>
-            <a:r>
-              <a:rPr lang="pt-BR" dirty="0" smtClean="0"/>
-              <a:t>, permitindo expandi-lo ou contraí-lo quando necessário de modo prático – usando a função </a:t>
-            </a:r>
-            <a:r>
-              <a:rPr lang="pt-BR" dirty="0" err="1" smtClean="0">
-                <a:latin typeface="Courier New" pitchFamily="49" charset="0"/>
-                <a:cs typeface="Courier New" pitchFamily="49" charset="0"/>
-              </a:rPr>
-              <a:t>resize</a:t>
-            </a:r>
-            <a:r>
-              <a:rPr lang="pt-BR" dirty="0" smtClean="0"/>
-              <a:t> ou simplesmente adicionando um elemento no seu fim (</a:t>
-            </a:r>
-            <a:r>
-              <a:rPr lang="pt-BR" dirty="0" err="1" smtClean="0">
-                <a:latin typeface="Courier New" pitchFamily="49" charset="0"/>
-                <a:cs typeface="Courier New" pitchFamily="49" charset="0"/>
-              </a:rPr>
-              <a:t>push_back</a:t>
-            </a:r>
-            <a:r>
-              <a:rPr lang="pt-BR" dirty="0" smtClean="0"/>
-              <a:t>).</a:t>
-            </a:r>
-          </a:p>
-          <a:p>
-            <a:endParaRPr lang="pt-BR" dirty="0"/>
-          </a:p>
-        </p:txBody>
-      </p:sp>
-    </p:spTree>
-  </p:cSld>
-  <p:clrMapOvr>
-    <a:masterClrMapping/>
-  </p:clrMapOvr>
-</p:sld>
-</file>
-
-<file path=ppt/slides/slide7.xml><?xml version="1.0" encoding="utf-8"?>
-<p:sld xmlns:a="http://schemas.openxmlformats.org/drawingml/2006/main" xmlns:r="http://schemas.openxmlformats.org/officeDocument/2006/relationships" xmlns:p="http://schemas.openxmlformats.org/presentationml/2006/main">
-  <p:cSld>
-    <p:spTree>
-      <p:nvGrpSpPr>
-        <p:cNvPr id="1" name=""/>
-        <p:cNvGrpSpPr/>
-        <p:nvPr/>
-      </p:nvGrpSpPr>
-      <p:grpSpPr>
-        <a:xfrm>
-          <a:off x="0" y="0"/>
-          <a:ext cx="0" cy="0"/>
-          <a:chOff x="0" y="0"/>
-          <a:chExt cx="0" cy="0"/>
-        </a:xfrm>
-      </p:grpSpPr>
-      <p:sp>
-        <p:nvSpPr>
-          <p:cNvPr id="2" name="Título 1"/>
-          <p:cNvSpPr>
-            <a:spLocks noGrp="1"/>
-          </p:cNvSpPr>
-          <p:nvPr>
-            <p:ph type="title"/>
-          </p:nvPr>
-        </p:nvSpPr>
-        <p:spPr/>
-        <p:txBody>
-          <a:bodyPr/>
-          <a:lstStyle/>
-          <a:p>
-            <a:r>
-              <a:rPr lang="pt-BR" dirty="0" smtClean="0"/>
-              <a:t>Tipo </a:t>
-            </a:r>
-            <a:r>
-              <a:rPr lang="pt-BR" dirty="0" err="1" smtClean="0"/>
-              <a:t>bool</a:t>
-            </a:r>
-            <a:r>
-              <a:rPr lang="pt-BR" dirty="0" smtClean="0"/>
-              <a:t> x vetor </a:t>
-            </a:r>
-            <a:r>
-              <a:rPr lang="pt-BR" dirty="0" err="1" smtClean="0"/>
-              <a:t>bool</a:t>
-            </a:r>
-            <a:endParaRPr lang="pt-BR" dirty="0"/>
-          </a:p>
-        </p:txBody>
-      </p:sp>
-      <p:sp>
-        <p:nvSpPr>
-          <p:cNvPr id="3" name="Espaço Reservado para Conteúdo 2"/>
-          <p:cNvSpPr>
-            <a:spLocks noGrp="1"/>
-          </p:cNvSpPr>
-          <p:nvPr>
-            <p:ph idx="1"/>
-          </p:nvPr>
-        </p:nvSpPr>
-        <p:spPr/>
-        <p:txBody>
-          <a:bodyPr>
-            <a:normAutofit fontScale="85000" lnSpcReduction="10000"/>
-          </a:bodyPr>
-          <a:lstStyle/>
-          <a:p>
-            <a:pPr algn="just">
-              <a:lnSpc>
-                <a:spcPct val="170000"/>
-              </a:lnSpc>
-            </a:pPr>
-            <a:endParaRPr lang="pt-BR" dirty="0" smtClean="0"/>
-          </a:p>
-          <a:p>
-            <a:pPr marL="0" indent="0" algn="just">
-              <a:lnSpc>
-                <a:spcPct val="170000"/>
-              </a:lnSpc>
-              <a:buNone/>
-              <a:tabLst>
-                <a:tab pos="180975" algn="l"/>
-              </a:tabLst>
-            </a:pPr>
-            <a:r>
-              <a:rPr lang="pt-BR" dirty="0" smtClean="0"/>
-              <a:t>É sabido que variáveis do tipo </a:t>
-            </a:r>
-            <a:r>
-              <a:rPr lang="pt-BR" dirty="0" err="1" smtClean="0"/>
-              <a:t>bool</a:t>
-            </a:r>
-            <a:r>
-              <a:rPr lang="pt-BR" dirty="0" smtClean="0"/>
-              <a:t> não ocupam somente um </a:t>
-            </a:r>
-            <a:r>
-              <a:rPr lang="pt-BR" i="1" dirty="0" smtClean="0"/>
-              <a:t>bit</a:t>
-            </a:r>
-            <a:r>
-              <a:rPr lang="pt-BR" dirty="0" smtClean="0"/>
-              <a:t> em memória, e sim um </a:t>
-            </a:r>
-            <a:r>
-              <a:rPr lang="pt-BR" i="1" dirty="0" smtClean="0"/>
-              <a:t>byte</a:t>
-            </a:r>
-            <a:r>
-              <a:rPr lang="pt-BR" dirty="0" smtClean="0"/>
-              <a:t> – por questões de endereçamento de memória. Entretanto, o </a:t>
-            </a:r>
-            <a:r>
-              <a:rPr lang="pt-BR" i="1" dirty="0" smtClean="0"/>
-              <a:t>container </a:t>
-            </a:r>
-            <a:r>
-              <a:rPr lang="pt-BR" dirty="0" err="1" smtClean="0">
-                <a:latin typeface="Courier New" pitchFamily="49" charset="0"/>
-                <a:cs typeface="Courier New" pitchFamily="49" charset="0"/>
-              </a:rPr>
-              <a:t>vector</a:t>
-            </a:r>
-            <a:r>
-              <a:rPr lang="pt-BR" dirty="0" smtClean="0">
-                <a:latin typeface="Courier New" pitchFamily="49" charset="0"/>
-                <a:cs typeface="Courier New" pitchFamily="49" charset="0"/>
-              </a:rPr>
-              <a:t>&lt;</a:t>
-            </a:r>
-            <a:r>
-              <a:rPr lang="pt-BR" dirty="0" err="1" smtClean="0">
-                <a:latin typeface="Courier New" pitchFamily="49" charset="0"/>
-                <a:cs typeface="Courier New" pitchFamily="49" charset="0"/>
-              </a:rPr>
-              <a:t>bool</a:t>
-            </a:r>
-            <a:r>
-              <a:rPr lang="pt-BR" dirty="0" smtClean="0">
-                <a:latin typeface="Courier New" pitchFamily="49" charset="0"/>
-                <a:cs typeface="Courier New" pitchFamily="49" charset="0"/>
-              </a:rPr>
-              <a:t>&gt;</a:t>
-            </a:r>
-            <a:r>
-              <a:rPr lang="pt-BR" dirty="0" smtClean="0"/>
-              <a:t>, uma especialização de </a:t>
-            </a:r>
-            <a:r>
-              <a:rPr lang="pt-BR" dirty="0" err="1" smtClean="0">
-                <a:latin typeface="Courier New" pitchFamily="49" charset="0"/>
-                <a:cs typeface="Courier New" pitchFamily="49" charset="0"/>
-              </a:rPr>
-              <a:t>vector</a:t>
-            </a:r>
-            <a:r>
-              <a:rPr lang="pt-BR" dirty="0" smtClean="0"/>
-              <a:t>, usa somente um bit para cada elemento, além de ter a possibilidade de ser referenciado usando os colchetes (“[ ]”), como num </a:t>
-            </a:r>
-            <a:r>
-              <a:rPr lang="pt-BR" i="1" dirty="0" err="1" smtClean="0"/>
-              <a:t>array</a:t>
-            </a:r>
-            <a:r>
-              <a:rPr lang="pt-BR" dirty="0" smtClean="0"/>
-              <a:t>.</a:t>
-            </a:r>
-          </a:p>
-          <a:p>
-            <a:endParaRPr lang="pt-BR" dirty="0"/>
-          </a:p>
-        </p:txBody>
-      </p:sp>
-    </p:spTree>
-  </p:cSld>
-  <p:clrMapOvr>
-    <a:masterClrMapping/>
-  </p:clrMapOvr>
-</p:sld>
-</file>
-
 <file path=ppt/slides/slide8.xml><?xml version="1.0" encoding="utf-8"?>
 <p:sld xmlns:a="http://schemas.openxmlformats.org/drawingml/2006/main" xmlns:r="http://schemas.openxmlformats.org/officeDocument/2006/relationships" xmlns:p="http://schemas.openxmlformats.org/presentationml/2006/main">
   <p:cSld>
@@ -4717,7 +6875,11 @@
           <a:p>
             <a:r>
               <a:rPr lang="pt-BR" dirty="0" smtClean="0"/>
-              <a:t>Resultados</a:t>
+              <a:t>Vetor x </a:t>
+            </a:r>
+            <a:r>
+              <a:rPr lang="pt-BR" dirty="0" err="1" smtClean="0"/>
+              <a:t>array</a:t>
             </a:r>
             <a:endParaRPr lang="pt-BR" dirty="0"/>
           </a:p>
@@ -4735,10 +6897,250 @@
         </p:nvSpPr>
         <p:spPr/>
         <p:txBody>
+          <a:bodyPr anchor="ctr"/>
+          <a:lstStyle/>
+          <a:p>
+            <a:pPr marL="0" indent="0" algn="just">
+              <a:lnSpc>
+                <a:spcPct val="200000"/>
+              </a:lnSpc>
+              <a:buNone/>
+            </a:pPr>
+            <a:r>
+              <a:rPr lang="pt-BR" dirty="0" smtClean="0"/>
+              <a:t>O uso do </a:t>
+            </a:r>
+            <a:r>
+              <a:rPr lang="pt-BR" i="1" dirty="0" smtClean="0"/>
+              <a:t>container </a:t>
+            </a:r>
+            <a:r>
+              <a:rPr lang="pt-BR" dirty="0" err="1" smtClean="0">
+                <a:latin typeface="Courier New" pitchFamily="49" charset="0"/>
+                <a:cs typeface="Courier New" pitchFamily="49" charset="0"/>
+              </a:rPr>
+              <a:t>vector</a:t>
+            </a:r>
+            <a:r>
+              <a:rPr lang="pt-BR" dirty="0" smtClean="0"/>
+              <a:t> possibilita uma alocação dinâmica de memória para o </a:t>
+            </a:r>
+            <a:r>
+              <a:rPr lang="pt-BR" i="1" dirty="0" err="1" smtClean="0"/>
+              <a:t>array</a:t>
+            </a:r>
+            <a:r>
+              <a:rPr lang="pt-BR" dirty="0" smtClean="0"/>
+              <a:t>, permitindo expandi-lo ou contraí-lo quando necessário de modo prático – usando a função </a:t>
+            </a:r>
+            <a:r>
+              <a:rPr lang="pt-BR" dirty="0" err="1" smtClean="0">
+                <a:latin typeface="Courier New" pitchFamily="49" charset="0"/>
+                <a:cs typeface="Courier New" pitchFamily="49" charset="0"/>
+              </a:rPr>
+              <a:t>resize</a:t>
+            </a:r>
+            <a:r>
+              <a:rPr lang="pt-BR" dirty="0" smtClean="0"/>
+              <a:t> ou simplesmente adicionando um elemento no seu fim (</a:t>
+            </a:r>
+            <a:r>
+              <a:rPr lang="pt-BR" dirty="0" err="1" smtClean="0">
+                <a:latin typeface="Courier New" pitchFamily="49" charset="0"/>
+                <a:cs typeface="Courier New" pitchFamily="49" charset="0"/>
+              </a:rPr>
+              <a:t>push_back</a:t>
+            </a:r>
+            <a:r>
+              <a:rPr lang="pt-BR" dirty="0" smtClean="0"/>
+              <a:t>).</a:t>
+            </a:r>
+          </a:p>
+          <a:p>
+            <a:endParaRPr lang="pt-BR" dirty="0"/>
+          </a:p>
+        </p:txBody>
+      </p:sp>
+    </p:spTree>
+  </p:cSld>
+  <p:clrMapOvr>
+    <a:masterClrMapping/>
+  </p:clrMapOvr>
+</p:sld>
+</file>
+
+<file path=ppt/slides/slide9.xml><?xml version="1.0" encoding="utf-8"?>
+<p:sld xmlns:a="http://schemas.openxmlformats.org/drawingml/2006/main" xmlns:r="http://schemas.openxmlformats.org/officeDocument/2006/relationships" xmlns:p="http://schemas.openxmlformats.org/presentationml/2006/main">
+  <p:cSld>
+    <p:spTree>
+      <p:nvGrpSpPr>
+        <p:cNvPr id="1" name=""/>
+        <p:cNvGrpSpPr/>
+        <p:nvPr/>
+      </p:nvGrpSpPr>
+      <p:grpSpPr>
+        <a:xfrm>
+          <a:off x="0" y="0"/>
+          <a:ext cx="0" cy="0"/>
+          <a:chOff x="0" y="0"/>
+          <a:chExt cx="0" cy="0"/>
+        </a:xfrm>
+      </p:grpSpPr>
+      <p:sp>
+        <p:nvSpPr>
+          <p:cNvPr id="2" name="Título 1"/>
+          <p:cNvSpPr>
+            <a:spLocks noGrp="1"/>
+          </p:cNvSpPr>
+          <p:nvPr>
+            <p:ph type="title"/>
+          </p:nvPr>
+        </p:nvSpPr>
+        <p:spPr/>
+        <p:txBody>
           <a:bodyPr/>
           <a:lstStyle/>
           <a:p>
-            <a:endParaRPr lang="pt-BR"/>
+            <a:r>
+              <a:rPr lang="pt-BR" dirty="0" smtClean="0"/>
+              <a:t>Tipo </a:t>
+            </a:r>
+            <a:r>
+              <a:rPr lang="pt-BR" dirty="0" err="1" smtClean="0"/>
+              <a:t>bool</a:t>
+            </a:r>
+            <a:r>
+              <a:rPr lang="pt-BR" dirty="0" smtClean="0"/>
+              <a:t> x vetor </a:t>
+            </a:r>
+            <a:r>
+              <a:rPr lang="pt-BR" dirty="0" err="1" smtClean="0"/>
+              <a:t>bool</a:t>
+            </a:r>
+            <a:endParaRPr lang="pt-BR" dirty="0"/>
+          </a:p>
+        </p:txBody>
+      </p:sp>
+      <p:sp>
+        <p:nvSpPr>
+          <p:cNvPr id="3" name="Espaço Reservado para Conteúdo 2"/>
+          <p:cNvSpPr>
+            <a:spLocks noGrp="1"/>
+          </p:cNvSpPr>
+          <p:nvPr>
+            <p:ph idx="1"/>
+          </p:nvPr>
+        </p:nvSpPr>
+        <p:spPr/>
+        <p:txBody>
+          <a:bodyPr>
+            <a:normAutofit fontScale="85000" lnSpcReduction="10000"/>
+          </a:bodyPr>
+          <a:lstStyle/>
+          <a:p>
+            <a:pPr algn="just">
+              <a:lnSpc>
+                <a:spcPct val="170000"/>
+              </a:lnSpc>
+            </a:pPr>
+            <a:endParaRPr lang="pt-BR" dirty="0" smtClean="0"/>
+          </a:p>
+          <a:p>
+            <a:pPr marL="0" indent="0" algn="just">
+              <a:lnSpc>
+                <a:spcPct val="170000"/>
+              </a:lnSpc>
+              <a:buNone/>
+              <a:tabLst>
+                <a:tab pos="180975" algn="l"/>
+              </a:tabLst>
+            </a:pPr>
+            <a:r>
+              <a:rPr lang="pt-BR" dirty="0" smtClean="0"/>
+              <a:t>É sabido que variáveis do tipo </a:t>
+            </a:r>
+            <a:r>
+              <a:rPr lang="pt-BR" dirty="0" err="1" smtClean="0"/>
+              <a:t>bool</a:t>
+            </a:r>
+            <a:r>
+              <a:rPr lang="pt-BR" dirty="0" smtClean="0"/>
+              <a:t> não ocupam somente um </a:t>
+            </a:r>
+            <a:r>
+              <a:rPr lang="pt-BR" i="1" dirty="0" smtClean="0"/>
+              <a:t>bit</a:t>
+            </a:r>
+            <a:r>
+              <a:rPr lang="pt-BR" dirty="0" smtClean="0"/>
+              <a:t> em memória, e sim um </a:t>
+            </a:r>
+            <a:r>
+              <a:rPr lang="pt-BR" i="1" dirty="0" smtClean="0"/>
+              <a:t>byte</a:t>
+            </a:r>
+            <a:r>
+              <a:rPr lang="pt-BR" dirty="0" smtClean="0"/>
+              <a:t> – por questões de endereçamento de memória. Entretanto, o </a:t>
+            </a:r>
+            <a:r>
+              <a:rPr lang="pt-BR" i="1" dirty="0" smtClean="0"/>
+              <a:t>container </a:t>
+            </a:r>
+            <a:r>
+              <a:rPr lang="pt-BR" dirty="0" err="1" smtClean="0">
+                <a:latin typeface="Courier New" pitchFamily="49" charset="0"/>
+                <a:cs typeface="Courier New" pitchFamily="49" charset="0"/>
+              </a:rPr>
+              <a:t>vector</a:t>
+            </a:r>
+            <a:r>
+              <a:rPr lang="pt-BR" dirty="0" smtClean="0">
+                <a:latin typeface="Courier New" pitchFamily="49" charset="0"/>
+                <a:cs typeface="Courier New" pitchFamily="49" charset="0"/>
+              </a:rPr>
+              <a:t>&lt;</a:t>
+            </a:r>
+            <a:r>
+              <a:rPr lang="pt-BR" dirty="0" err="1" smtClean="0">
+                <a:latin typeface="Courier New" pitchFamily="49" charset="0"/>
+                <a:cs typeface="Courier New" pitchFamily="49" charset="0"/>
+              </a:rPr>
+              <a:t>bool</a:t>
+            </a:r>
+            <a:r>
+              <a:rPr lang="pt-BR" dirty="0" smtClean="0">
+                <a:latin typeface="Courier New" pitchFamily="49" charset="0"/>
+                <a:cs typeface="Courier New" pitchFamily="49" charset="0"/>
+              </a:rPr>
+              <a:t>&gt;</a:t>
+            </a:r>
+            <a:r>
+              <a:rPr lang="pt-BR" dirty="0" smtClean="0"/>
+              <a:t>, uma especialização de </a:t>
+            </a:r>
+            <a:r>
+              <a:rPr lang="pt-BR" dirty="0" err="1" smtClean="0">
+                <a:latin typeface="Courier New" pitchFamily="49" charset="0"/>
+                <a:cs typeface="Courier New" pitchFamily="49" charset="0"/>
+              </a:rPr>
+              <a:t>vector</a:t>
+            </a:r>
+            <a:r>
+              <a:rPr lang="pt-BR" dirty="0" smtClean="0"/>
+              <a:t>, usa somente um bit para cada elemento, além de ter a possibilidade de ser referenciado usando os colchetes (“[ ]”), como num </a:t>
+            </a:r>
+            <a:r>
+              <a:rPr lang="pt-BR" i="1" dirty="0" err="1" smtClean="0"/>
+              <a:t>array</a:t>
+            </a:r>
+            <a:r>
+              <a:rPr lang="pt-BR" dirty="0" smtClean="0"/>
+              <a:t>.</a:t>
+            </a:r>
+          </a:p>
+          <a:p>
+            <a:endParaRPr lang="pt-BR" dirty="0"/>
           </a:p>
         </p:txBody>
       </p:sp>

--- a/apresentacao.pptx
+++ b/apresentacao.pptx
@@ -4575,7 +4575,6 @@
               <a:rPr lang="pt-BR" dirty="0" smtClean="0"/>
               <a:t>Maior grau: 71 </a:t>
             </a:r>
-            <a:endParaRPr lang="pt-BR" dirty="0" smtClean="0"/>
           </a:p>
           <a:p>
             <a:pPr>
@@ -4749,11 +4748,7 @@
           <a:p>
             <a:r>
               <a:rPr lang="pt-BR" dirty="0" smtClean="0"/>
-              <a:t>Resultados – Grafo </a:t>
-            </a:r>
-            <a:r>
-              <a:rPr lang="pt-BR" dirty="0" smtClean="0"/>
-              <a:t>da Internet</a:t>
+              <a:t>Resultados – Grafo da Internet</a:t>
             </a:r>
             <a:endParaRPr lang="pt-BR" dirty="0"/>
           </a:p>
@@ -4850,11 +4845,7 @@
           <a:p>
             <a:r>
               <a:rPr lang="pt-BR" dirty="0" smtClean="0"/>
-              <a:t>Resultados – Grafo </a:t>
-            </a:r>
-            <a:r>
-              <a:rPr lang="pt-BR" dirty="0" smtClean="0"/>
-              <a:t>da Internet</a:t>
+              <a:t>Resultados – Grafo da Internet</a:t>
             </a:r>
             <a:endParaRPr lang="pt-BR" dirty="0"/>
           </a:p>
@@ -4895,7 +4886,6 @@
               <a:rPr lang="pt-BR" dirty="0" smtClean="0"/>
               <a:t>Maior grau: 2159</a:t>
             </a:r>
-            <a:endParaRPr lang="pt-BR" dirty="0" smtClean="0"/>
           </a:p>
           <a:p>
             <a:pPr>
@@ -6184,7 +6174,22 @@
           <a:p>
             <a:r>
               <a:rPr lang="pt-BR" dirty="0" smtClean="0"/>
-              <a:t>Diâmetro da Internet: 10</a:t>
+              <a:t>Diâmetro da Internet: </a:t>
+            </a:r>
+            <a:r>
+              <a:rPr lang="pt-BR" dirty="0" smtClean="0"/>
+              <a:t>11</a:t>
+            </a:r>
+            <a:br>
+              <a:rPr lang="pt-BR" dirty="0" smtClean="0"/>
+            </a:br>
+            <a:r>
+              <a:rPr lang="pt-BR" dirty="0" smtClean="0"/>
+              <a:t>(BFS a </a:t>
+            </a:r>
+            <a:r>
+              <a:rPr lang="pt-BR" smtClean="0"/>
+              <a:t>partir do vértice 12111)</a:t>
             </a:r>
             <a:endParaRPr lang="pt-BR" dirty="0"/>
           </a:p>
